--- a/Tracking Maternal Health Progress IBM Internship.pptx
+++ b/Tracking Maternal Health Progress IBM Internship.pptx
@@ -11,30 +11,31 @@
     <p:sldId id="259" r:id="rId5"/>
     <p:sldId id="260" r:id="rId6"/>
     <p:sldId id="261" r:id="rId7"/>
-    <p:sldId id="262" r:id="rId8"/>
-    <p:sldId id="263" r:id="rId9"/>
-    <p:sldId id="264" r:id="rId10"/>
-    <p:sldId id="265" r:id="rId11"/>
-    <p:sldId id="266" r:id="rId12"/>
-    <p:sldId id="267" r:id="rId13"/>
-    <p:sldId id="268" r:id="rId14"/>
-    <p:sldId id="269" r:id="rId15"/>
+    <p:sldId id="270" r:id="rId8"/>
+    <p:sldId id="271" r:id="rId9"/>
+    <p:sldId id="263" r:id="rId10"/>
+    <p:sldId id="264" r:id="rId11"/>
+    <p:sldId id="265" r:id="rId12"/>
+    <p:sldId id="266" r:id="rId13"/>
+    <p:sldId id="267" r:id="rId14"/>
+    <p:sldId id="268" r:id="rId15"/>
+    <p:sldId id="269" r:id="rId16"/>
   </p:sldIdLst>
   <p:sldSz cx="18288000" cy="10287000"/>
   <p:notesSz cx="6858000" cy="9144000"/>
   <p:embeddedFontLst>
     <p:embeddedFont>
-      <p:font typeface="Arial Bold" panose="020B0704020202020204" pitchFamily="34" charset="0"/>
-      <p:regular r:id="rId16"/>
-      <p:bold r:id="rId17"/>
+      <p:font typeface="Arial Bold"/>
+      <p:regular r:id="rId17"/>
+      <p:bold r:id="rId18"/>
     </p:embeddedFont>
     <p:embeddedFont>
       <p:font typeface="ITC Franklin Gothic LT" panose="020B0604020202020204" charset="0"/>
-      <p:regular r:id="rId18"/>
+      <p:regular r:id="rId19"/>
     </p:embeddedFont>
     <p:embeddedFont>
       <p:font typeface="ITC Franklin Gothic LT Semi-Bold" panose="020B0604020202020204" charset="0"/>
-      <p:regular r:id="rId19"/>
+      <p:regular r:id="rId20"/>
     </p:embeddedFont>
   </p:embeddedFontLst>
   <p:defaultTextStyle>
@@ -149,6 +150,105 @@
     </p:ext>
   </p:extLst>
 </p:presentation>
+</file>
+
+<file path=ppt/revisionInfo.xml><?xml version="1.0" encoding="utf-8"?>
+<p1510:revInfo xmlns:a="http://schemas.openxmlformats.org/drawingml/2006/main" xmlns:r="http://schemas.openxmlformats.org/officeDocument/2006/relationships" xmlns:p1510="http://schemas.microsoft.com/office/powerpoint/2015/10/main">
+  <p1510:revLst>
+    <p1510:client id="{5772C60D-24F0-4866-A779-5347F6B47DD1}" v="9" dt="2025-08-06T19:54:36.884"/>
+  </p1510:revLst>
+</p1510:revInfo>
+</file>
+
+<file path=ppt/changesInfos/changesInfo1.xml><?xml version="1.0" encoding="utf-8"?>
+<pc:chgInfo xmlns:a="http://schemas.openxmlformats.org/drawingml/2006/main" xmlns:r="http://schemas.openxmlformats.org/officeDocument/2006/relationships" xmlns:ac="http://schemas.microsoft.com/office/drawing/2013/main/command" xmlns:pc="http://schemas.microsoft.com/office/powerpoint/2013/main/command">
+  <pc:docChgLst>
+    <pc:chgData name="Sheeban Khan" userId="a3e380ff610f446c" providerId="LiveId" clId="{5772C60D-24F0-4866-A779-5347F6B47DD1}"/>
+    <pc:docChg chg="undo custSel addSld delSld modSld">
+      <pc:chgData name="Sheeban Khan" userId="a3e380ff610f446c" providerId="LiveId" clId="{5772C60D-24F0-4866-A779-5347F6B47DD1}" dt="2025-08-06T19:55:28.490" v="23" actId="1076"/>
+      <pc:docMkLst>
+        <pc:docMk/>
+      </pc:docMkLst>
+      <pc:sldChg chg="modSp del">
+        <pc:chgData name="Sheeban Khan" userId="a3e380ff610f446c" providerId="LiveId" clId="{5772C60D-24F0-4866-A779-5347F6B47DD1}" dt="2025-08-06T19:53:05.885" v="9" actId="47"/>
+        <pc:sldMkLst>
+          <pc:docMk/>
+          <pc:sldMk cId="0" sldId="262"/>
+        </pc:sldMkLst>
+        <pc:picChg chg="mod">
+          <ac:chgData name="Sheeban Khan" userId="a3e380ff610f446c" providerId="LiveId" clId="{5772C60D-24F0-4866-A779-5347F6B47DD1}" dt="2025-08-06T19:45:36.328" v="0" actId="14826"/>
+          <ac:picMkLst>
+            <pc:docMk/>
+            <pc:sldMk cId="0" sldId="262"/>
+            <ac:picMk id="17" creationId="{30552B01-BBFA-40E9-A297-B61F874FDC1B}"/>
+          </ac:picMkLst>
+        </pc:picChg>
+        <pc:picChg chg="mod">
+          <ac:chgData name="Sheeban Khan" userId="a3e380ff610f446c" providerId="LiveId" clId="{5772C60D-24F0-4866-A779-5347F6B47DD1}" dt="2025-08-06T19:46:17.899" v="1" actId="14826"/>
+          <ac:picMkLst>
+            <pc:docMk/>
+            <pc:sldMk cId="0" sldId="262"/>
+            <ac:picMk id="21" creationId="{6E965A60-B24B-9DBA-27B4-29BE0B89E0C7}"/>
+          </ac:picMkLst>
+        </pc:picChg>
+      </pc:sldChg>
+      <pc:sldChg chg="addSp delSp modSp add mod">
+        <pc:chgData name="Sheeban Khan" userId="a3e380ff610f446c" providerId="LiveId" clId="{5772C60D-24F0-4866-A779-5347F6B47DD1}" dt="2025-08-06T19:55:28.490" v="23" actId="1076"/>
+        <pc:sldMkLst>
+          <pc:docMk/>
+          <pc:sldMk cId="3062149597" sldId="270"/>
+        </pc:sldMkLst>
+        <pc:picChg chg="add mod">
+          <ac:chgData name="Sheeban Khan" userId="a3e380ff610f446c" providerId="LiveId" clId="{5772C60D-24F0-4866-A779-5347F6B47DD1}" dt="2025-08-06T19:52:45.823" v="7"/>
+          <ac:picMkLst>
+            <pc:docMk/>
+            <pc:sldMk cId="3062149597" sldId="270"/>
+            <ac:picMk id="16" creationId="{96C508D5-1101-7F6A-6AEA-BDE4444981A1}"/>
+          </ac:picMkLst>
+        </pc:picChg>
+        <pc:picChg chg="del mod">
+          <ac:chgData name="Sheeban Khan" userId="a3e380ff610f446c" providerId="LiveId" clId="{5772C60D-24F0-4866-A779-5347F6B47DD1}" dt="2025-08-06T19:53:44.137" v="13" actId="478"/>
+          <ac:picMkLst>
+            <pc:docMk/>
+            <pc:sldMk cId="3062149597" sldId="270"/>
+            <ac:picMk id="17" creationId="{95EA0E3E-818A-26C3-E0EB-236CB16D15E1}"/>
+          </ac:picMkLst>
+        </pc:picChg>
+        <pc:picChg chg="add del mod modCrop">
+          <ac:chgData name="Sheeban Khan" userId="a3e380ff610f446c" providerId="LiveId" clId="{5772C60D-24F0-4866-A779-5347F6B47DD1}" dt="2025-08-06T19:54:26.626" v="17" actId="478"/>
+          <ac:picMkLst>
+            <pc:docMk/>
+            <pc:sldMk cId="3062149597" sldId="270"/>
+            <ac:picMk id="19" creationId="{5B4DA366-D8D5-DCE9-2790-39B6331EF949}"/>
+          </ac:picMkLst>
+        </pc:picChg>
+        <pc:picChg chg="del">
+          <ac:chgData name="Sheeban Khan" userId="a3e380ff610f446c" providerId="LiveId" clId="{5772C60D-24F0-4866-A779-5347F6B47DD1}" dt="2025-08-06T19:52:04.695" v="3" actId="478"/>
+          <ac:picMkLst>
+            <pc:docMk/>
+            <pc:sldMk cId="3062149597" sldId="270"/>
+            <ac:picMk id="21" creationId="{63EDE90E-0DB1-4BB8-57E3-3233F8E9B312}"/>
+          </ac:picMkLst>
+        </pc:picChg>
+        <pc:picChg chg="add mod modCrop">
+          <ac:chgData name="Sheeban Khan" userId="a3e380ff610f446c" providerId="LiveId" clId="{5772C60D-24F0-4866-A779-5347F6B47DD1}" dt="2025-08-06T19:55:28.490" v="23" actId="1076"/>
+          <ac:picMkLst>
+            <pc:docMk/>
+            <pc:sldMk cId="3062149597" sldId="270"/>
+            <ac:picMk id="22" creationId="{6BD52C69-2DF4-4C99-D1AD-B8AFEAF080C5}"/>
+          </ac:picMkLst>
+        </pc:picChg>
+      </pc:sldChg>
+      <pc:sldChg chg="add">
+        <pc:chgData name="Sheeban Khan" userId="a3e380ff610f446c" providerId="LiveId" clId="{5772C60D-24F0-4866-A779-5347F6B47DD1}" dt="2025-08-06T19:53:00.694" v="8"/>
+        <pc:sldMkLst>
+          <pc:docMk/>
+          <pc:sldMk cId="3353132384" sldId="271"/>
+        </pc:sldMkLst>
+      </pc:sldChg>
+    </pc:docChg>
+  </pc:docChgLst>
+</pc:chgInfo>
 </file>
 
 <file path=ppt/slideLayouts/slideLayout1.xml><?xml version="1.0" encoding="utf-8"?>
@@ -331,7 +431,7 @@
             <a:fld id="{1D8BD707-D9CF-40AE-B4C6-C98DA3205C09}" type="datetimeFigureOut">
               <a:rPr lang="en-US" smtClean="0"/>
               <a:pPr/>
-              <a:t>8/4/2025</a:t>
+              <a:t>8/7/2025</a:t>
             </a:fld>
             <a:endParaRPr lang="en-US"/>
           </a:p>
@@ -496,7 +596,7 @@
             <a:fld id="{1D8BD707-D9CF-40AE-B4C6-C98DA3205C09}" type="datetimeFigureOut">
               <a:rPr lang="en-US" smtClean="0"/>
               <a:pPr/>
-              <a:t>8/4/2025</a:t>
+              <a:t>8/7/2025</a:t>
             </a:fld>
             <a:endParaRPr lang="en-US"/>
           </a:p>
@@ -671,7 +771,7 @@
             <a:fld id="{1D8BD707-D9CF-40AE-B4C6-C98DA3205C09}" type="datetimeFigureOut">
               <a:rPr lang="en-US" smtClean="0"/>
               <a:pPr/>
-              <a:t>8/4/2025</a:t>
+              <a:t>8/7/2025</a:t>
             </a:fld>
             <a:endParaRPr lang="en-US"/>
           </a:p>
@@ -836,7 +936,7 @@
             <a:fld id="{1D8BD707-D9CF-40AE-B4C6-C98DA3205C09}" type="datetimeFigureOut">
               <a:rPr lang="en-US" smtClean="0"/>
               <a:pPr/>
-              <a:t>8/4/2025</a:t>
+              <a:t>8/7/2025</a:t>
             </a:fld>
             <a:endParaRPr lang="en-US"/>
           </a:p>
@@ -1078,7 +1178,7 @@
             <a:fld id="{1D8BD707-D9CF-40AE-B4C6-C98DA3205C09}" type="datetimeFigureOut">
               <a:rPr lang="en-US" smtClean="0"/>
               <a:pPr/>
-              <a:t>8/4/2025</a:t>
+              <a:t>8/7/2025</a:t>
             </a:fld>
             <a:endParaRPr lang="en-US"/>
           </a:p>
@@ -1360,7 +1460,7 @@
             <a:fld id="{1D8BD707-D9CF-40AE-B4C6-C98DA3205C09}" type="datetimeFigureOut">
               <a:rPr lang="en-US" smtClean="0"/>
               <a:pPr/>
-              <a:t>8/4/2025</a:t>
+              <a:t>8/7/2025</a:t>
             </a:fld>
             <a:endParaRPr lang="en-US"/>
           </a:p>
@@ -1776,7 +1876,7 @@
             <a:fld id="{1D8BD707-D9CF-40AE-B4C6-C98DA3205C09}" type="datetimeFigureOut">
               <a:rPr lang="en-US" smtClean="0"/>
               <a:pPr/>
-              <a:t>8/4/2025</a:t>
+              <a:t>8/7/2025</a:t>
             </a:fld>
             <a:endParaRPr lang="en-US"/>
           </a:p>
@@ -1890,7 +1990,7 @@
             <a:fld id="{1D8BD707-D9CF-40AE-B4C6-C98DA3205C09}" type="datetimeFigureOut">
               <a:rPr lang="en-US" smtClean="0"/>
               <a:pPr/>
-              <a:t>8/4/2025</a:t>
+              <a:t>8/7/2025</a:t>
             </a:fld>
             <a:endParaRPr lang="en-US"/>
           </a:p>
@@ -1982,7 +2082,7 @@
             <a:fld id="{1D8BD707-D9CF-40AE-B4C6-C98DA3205C09}" type="datetimeFigureOut">
               <a:rPr lang="en-US" smtClean="0"/>
               <a:pPr/>
-              <a:t>8/4/2025</a:t>
+              <a:t>8/7/2025</a:t>
             </a:fld>
             <a:endParaRPr lang="en-US"/>
           </a:p>
@@ -2254,7 +2354,7 @@
             <a:fld id="{1D8BD707-D9CF-40AE-B4C6-C98DA3205C09}" type="datetimeFigureOut">
               <a:rPr lang="en-US" smtClean="0"/>
               <a:pPr/>
-              <a:t>8/4/2025</a:t>
+              <a:t>8/7/2025</a:t>
             </a:fld>
             <a:endParaRPr lang="en-US"/>
           </a:p>
@@ -2503,7 +2603,7 @@
             <a:fld id="{1D8BD707-D9CF-40AE-B4C6-C98DA3205C09}" type="datetimeFigureOut">
               <a:rPr lang="en-US" smtClean="0"/>
               <a:pPr/>
-              <a:t>8/4/2025</a:t>
+              <a:t>8/7/2025</a:t>
             </a:fld>
             <a:endParaRPr lang="en-US"/>
           </a:p>
@@ -2711,7 +2811,7 @@
             <a:fld id="{1D8BD707-D9CF-40AE-B4C6-C98DA3205C09}" type="datetimeFigureOut">
               <a:rPr lang="en-US" smtClean="0"/>
               <a:pPr/>
-              <a:t>8/4/2025</a:t>
+              <a:t>8/7/2025</a:t>
             </a:fld>
             <a:endParaRPr lang="en-US"/>
           </a:p>
@@ -3885,6 +3985,553 @@
         </p:nvGrpSpPr>
         <p:grpSpPr>
           <a:xfrm>
+            <a:off x="1028700" y="2062432"/>
+            <a:ext cx="16544422" cy="5233906"/>
+            <a:chOff x="0" y="0"/>
+            <a:chExt cx="22059230" cy="6978541"/>
+          </a:xfrm>
+        </p:grpSpPr>
+        <p:sp>
+          <p:nvSpPr>
+            <p:cNvPr id="11" name="Freeform 11"/>
+            <p:cNvSpPr/>
+            <p:nvPr/>
+          </p:nvSpPr>
+          <p:spPr>
+            <a:xfrm>
+              <a:off x="0" y="0"/>
+              <a:ext cx="22059230" cy="6978541"/>
+            </a:xfrm>
+            <a:custGeom>
+              <a:avLst/>
+              <a:gdLst/>
+              <a:ahLst/>
+              <a:cxnLst/>
+              <a:rect l="l" t="t" r="r" b="b"/>
+              <a:pathLst>
+                <a:path w="22059230" h="6978541">
+                  <a:moveTo>
+                    <a:pt x="0" y="0"/>
+                  </a:moveTo>
+                  <a:lnTo>
+                    <a:pt x="22059230" y="0"/>
+                  </a:lnTo>
+                  <a:lnTo>
+                    <a:pt x="22059230" y="6978541"/>
+                  </a:lnTo>
+                  <a:lnTo>
+                    <a:pt x="0" y="6978541"/>
+                  </a:lnTo>
+                  <a:close/>
+                </a:path>
+              </a:pathLst>
+            </a:custGeom>
+            <a:solidFill>
+              <a:srgbClr val="000000">
+                <a:alpha val="0"/>
+              </a:srgbClr>
+            </a:solidFill>
+          </p:spPr>
+        </p:sp>
+        <p:sp>
+          <p:nvSpPr>
+            <p:cNvPr id="12" name="TextBox 12"/>
+            <p:cNvSpPr txBox="1"/>
+            <p:nvPr/>
+          </p:nvSpPr>
+          <p:spPr>
+            <a:xfrm>
+              <a:off x="0" y="-95250"/>
+              <a:ext cx="22059230" cy="7073791"/>
+            </a:xfrm>
+            <a:prstGeom prst="rect">
+              <a:avLst/>
+            </a:prstGeom>
+          </p:spPr>
+          <p:txBody>
+            <a:bodyPr lIns="0" tIns="0" rIns="0" bIns="0" rtlCol="0" anchor="ctr"/>
+            <a:lstStyle/>
+            <a:p>
+              <a:pPr marL="647700" lvl="1" indent="-323850" algn="l">
+                <a:lnSpc>
+                  <a:spcPts val="3960"/>
+                </a:lnSpc>
+                <a:buFont typeface="Arial"/>
+                <a:buChar char="•"/>
+              </a:pPr>
+              <a:r>
+                <a:rPr lang="en-US" sz="3000">
+                  <a:solidFill>
+                    <a:srgbClr val="000000"/>
+                  </a:solidFill>
+                  <a:latin typeface="ITC Franklin Gothic LT"/>
+                  <a:ea typeface="ITC Franklin Gothic LT"/>
+                  <a:cs typeface="ITC Franklin Gothic LT"/>
+                  <a:sym typeface="ITC Franklin Gothic LT"/>
+                </a:rPr>
+                <a:t>Integrate real-time WHO API data</a:t>
+              </a:r>
+            </a:p>
+            <a:p>
+              <a:pPr marL="647700" lvl="1" indent="-323850" algn="l">
+                <a:lnSpc>
+                  <a:spcPts val="3960"/>
+                </a:lnSpc>
+                <a:buFont typeface="Arial"/>
+                <a:buChar char="•"/>
+              </a:pPr>
+              <a:r>
+                <a:rPr lang="en-US" sz="3000">
+                  <a:solidFill>
+                    <a:srgbClr val="000000"/>
+                  </a:solidFill>
+                  <a:latin typeface="ITC Franklin Gothic LT"/>
+                  <a:ea typeface="ITC Franklin Gothic LT"/>
+                  <a:cs typeface="ITC Franklin Gothic LT"/>
+                  <a:sym typeface="ITC Franklin Gothic LT"/>
+                </a:rPr>
+                <a:t>Use more advanced models like XGBoost or LSTM</a:t>
+              </a:r>
+            </a:p>
+            <a:p>
+              <a:pPr marL="647700" lvl="1" indent="-323850" algn="l">
+                <a:lnSpc>
+                  <a:spcPts val="3960"/>
+                </a:lnSpc>
+                <a:buFont typeface="Arial"/>
+                <a:buChar char="•"/>
+              </a:pPr>
+              <a:r>
+                <a:rPr lang="en-US" sz="3000">
+                  <a:solidFill>
+                    <a:srgbClr val="000000"/>
+                  </a:solidFill>
+                  <a:latin typeface="ITC Franklin Gothic LT"/>
+                  <a:ea typeface="ITC Franklin Gothic LT"/>
+                  <a:cs typeface="ITC Franklin Gothic LT"/>
+                  <a:sym typeface="ITC Franklin Gothic LT"/>
+                </a:rPr>
+                <a:t>Develop an interactive dashboard using IBM Cloud Functions</a:t>
+              </a:r>
+            </a:p>
+            <a:p>
+              <a:pPr marL="647700" lvl="1" indent="-323850" algn="l">
+                <a:lnSpc>
+                  <a:spcPts val="3960"/>
+                </a:lnSpc>
+                <a:buFont typeface="Arial"/>
+                <a:buChar char="•"/>
+              </a:pPr>
+              <a:r>
+                <a:rPr lang="en-US" sz="3000">
+                  <a:solidFill>
+                    <a:srgbClr val="000000"/>
+                  </a:solidFill>
+                  <a:latin typeface="ITC Franklin Gothic LT"/>
+                  <a:ea typeface="ITC Franklin Gothic LT"/>
+                  <a:cs typeface="ITC Franklin Gothic LT"/>
+                  <a:sym typeface="ITC Franklin Gothic LT"/>
+                </a:rPr>
+                <a:t>Collaborate with health organizations for deeper validation</a:t>
+              </a:r>
+            </a:p>
+            <a:p>
+              <a:pPr marL="647700" lvl="1" indent="-323850" algn="l">
+                <a:lnSpc>
+                  <a:spcPts val="3960"/>
+                </a:lnSpc>
+                <a:buFont typeface="Arial"/>
+                <a:buChar char="•"/>
+              </a:pPr>
+              <a:r>
+                <a:rPr lang="en-US" sz="3000">
+                  <a:solidFill>
+                    <a:srgbClr val="000000"/>
+                  </a:solidFill>
+                  <a:latin typeface="ITC Franklin Gothic LT"/>
+                  <a:ea typeface="ITC Franklin Gothic LT"/>
+                  <a:cs typeface="ITC Franklin Gothic LT"/>
+                  <a:sym typeface="ITC Franklin Gothic LT"/>
+                </a:rPr>
+                <a:t>Extend model to SDG 3.2 and other healthcare goals</a:t>
+              </a:r>
+            </a:p>
+            <a:p>
+              <a:pPr algn="l">
+                <a:lnSpc>
+                  <a:spcPts val="3960"/>
+                </a:lnSpc>
+              </a:pPr>
+              <a:endParaRPr lang="en-US" sz="3000">
+                <a:solidFill>
+                  <a:srgbClr val="000000"/>
+                </a:solidFill>
+                <a:latin typeface="ITC Franklin Gothic LT"/>
+                <a:ea typeface="ITC Franklin Gothic LT"/>
+                <a:cs typeface="ITC Franklin Gothic LT"/>
+                <a:sym typeface="ITC Franklin Gothic LT"/>
+              </a:endParaRPr>
+            </a:p>
+          </p:txBody>
+        </p:sp>
+      </p:grpSp>
+      <p:grpSp>
+        <p:nvGrpSpPr>
+          <p:cNvPr id="13" name="Group 13"/>
+          <p:cNvGrpSpPr/>
+          <p:nvPr/>
+        </p:nvGrpSpPr>
+        <p:grpSpPr>
+          <a:xfrm>
+            <a:off x="803505" y="1266988"/>
+            <a:ext cx="16544424" cy="795444"/>
+            <a:chOff x="0" y="0"/>
+            <a:chExt cx="22059232" cy="1060592"/>
+          </a:xfrm>
+        </p:grpSpPr>
+        <p:sp>
+          <p:nvSpPr>
+            <p:cNvPr id="14" name="Freeform 14"/>
+            <p:cNvSpPr/>
+            <p:nvPr/>
+          </p:nvSpPr>
+          <p:spPr>
+            <a:xfrm>
+              <a:off x="0" y="0"/>
+              <a:ext cx="22059232" cy="1060592"/>
+            </a:xfrm>
+            <a:custGeom>
+              <a:avLst/>
+              <a:gdLst/>
+              <a:ahLst/>
+              <a:cxnLst/>
+              <a:rect l="l" t="t" r="r" b="b"/>
+              <a:pathLst>
+                <a:path w="22059232" h="1060592">
+                  <a:moveTo>
+                    <a:pt x="0" y="0"/>
+                  </a:moveTo>
+                  <a:lnTo>
+                    <a:pt x="22059232" y="0"/>
+                  </a:lnTo>
+                  <a:lnTo>
+                    <a:pt x="22059232" y="1060592"/>
+                  </a:lnTo>
+                  <a:lnTo>
+                    <a:pt x="0" y="1060592"/>
+                  </a:lnTo>
+                  <a:close/>
+                </a:path>
+              </a:pathLst>
+            </a:custGeom>
+            <a:solidFill>
+              <a:srgbClr val="000000">
+                <a:alpha val="0"/>
+              </a:srgbClr>
+            </a:solidFill>
+          </p:spPr>
+        </p:sp>
+        <p:sp>
+          <p:nvSpPr>
+            <p:cNvPr id="15" name="TextBox 15"/>
+            <p:cNvSpPr txBox="1"/>
+            <p:nvPr/>
+          </p:nvSpPr>
+          <p:spPr>
+            <a:xfrm>
+              <a:off x="0" y="9525"/>
+              <a:ext cx="22059232" cy="1051067"/>
+            </a:xfrm>
+            <a:prstGeom prst="rect">
+              <a:avLst/>
+            </a:prstGeom>
+          </p:spPr>
+          <p:txBody>
+            <a:bodyPr lIns="0" tIns="0" rIns="0" bIns="0" rtlCol="0" anchor="b"/>
+            <a:lstStyle/>
+            <a:p>
+              <a:pPr algn="l">
+                <a:lnSpc>
+                  <a:spcPts val="4752"/>
+                </a:lnSpc>
+              </a:pPr>
+              <a:r>
+                <a:rPr lang="en-US" sz="4950" b="1">
+                  <a:solidFill>
+                    <a:srgbClr val="1CADE4"/>
+                  </a:solidFill>
+                  <a:latin typeface="Arial Bold"/>
+                  <a:ea typeface="Arial Bold"/>
+                  <a:cs typeface="Arial Bold"/>
+                  <a:sym typeface="Arial Bold"/>
+                </a:rPr>
+                <a:t>Future scope</a:t>
+              </a:r>
+            </a:p>
+          </p:txBody>
+        </p:sp>
+      </p:grpSp>
+    </p:spTree>
+  </p:cSld>
+  <p:clrMapOvr>
+    <a:masterClrMapping/>
+  </p:clrMapOvr>
+</p:sld>
+</file>
+
+<file path=ppt/slides/slide11.xml><?xml version="1.0" encoding="utf-8"?>
+<p:sld xmlns:a="http://schemas.openxmlformats.org/drawingml/2006/main" xmlns:r="http://schemas.openxmlformats.org/officeDocument/2006/relationships" xmlns:p="http://schemas.openxmlformats.org/presentationml/2006/main">
+  <p:cSld>
+    <p:spTree>
+      <p:nvGrpSpPr>
+        <p:cNvPr id="1" name=""/>
+        <p:cNvGrpSpPr/>
+        <p:nvPr/>
+      </p:nvGrpSpPr>
+      <p:grpSpPr>
+        <a:xfrm>
+          <a:off x="0" y="0"/>
+          <a:ext cx="0" cy="0"/>
+          <a:chOff x="0" y="0"/>
+          <a:chExt cx="0" cy="0"/>
+        </a:xfrm>
+      </p:grpSpPr>
+      <p:grpSp>
+        <p:nvGrpSpPr>
+          <p:cNvPr id="2" name="Group 2"/>
+          <p:cNvGrpSpPr/>
+          <p:nvPr/>
+        </p:nvGrpSpPr>
+        <p:grpSpPr>
+          <a:xfrm>
+            <a:off x="669801" y="685800"/>
+            <a:ext cx="5554980" cy="142496"/>
+            <a:chOff x="0" y="0"/>
+            <a:chExt cx="7406640" cy="189994"/>
+          </a:xfrm>
+        </p:grpSpPr>
+        <p:sp>
+          <p:nvSpPr>
+            <p:cNvPr id="3" name="Freeform 3"/>
+            <p:cNvSpPr/>
+            <p:nvPr/>
+          </p:nvSpPr>
+          <p:spPr>
+            <a:xfrm>
+              <a:off x="0" y="0"/>
+              <a:ext cx="7406640" cy="189992"/>
+            </a:xfrm>
+            <a:custGeom>
+              <a:avLst/>
+              <a:gdLst/>
+              <a:ahLst/>
+              <a:cxnLst/>
+              <a:rect l="l" t="t" r="r" b="b"/>
+              <a:pathLst>
+                <a:path w="7406640" h="189992">
+                  <a:moveTo>
+                    <a:pt x="0" y="0"/>
+                  </a:moveTo>
+                  <a:lnTo>
+                    <a:pt x="7406640" y="0"/>
+                  </a:lnTo>
+                  <a:lnTo>
+                    <a:pt x="7406640" y="189992"/>
+                  </a:lnTo>
+                  <a:lnTo>
+                    <a:pt x="0" y="189992"/>
+                  </a:lnTo>
+                  <a:close/>
+                </a:path>
+              </a:pathLst>
+            </a:custGeom>
+            <a:solidFill>
+              <a:srgbClr val="465359"/>
+            </a:solidFill>
+          </p:spPr>
+        </p:sp>
+      </p:grpSp>
+      <p:grpSp>
+        <p:nvGrpSpPr>
+          <p:cNvPr id="4" name="Group 4"/>
+          <p:cNvGrpSpPr/>
+          <p:nvPr/>
+        </p:nvGrpSpPr>
+        <p:grpSpPr>
+          <a:xfrm>
+            <a:off x="12063220" y="680464"/>
+            <a:ext cx="5554980" cy="147831"/>
+            <a:chOff x="0" y="0"/>
+            <a:chExt cx="7406640" cy="197108"/>
+          </a:xfrm>
+        </p:grpSpPr>
+        <p:sp>
+          <p:nvSpPr>
+            <p:cNvPr id="5" name="Freeform 5"/>
+            <p:cNvSpPr/>
+            <p:nvPr/>
+          </p:nvSpPr>
+          <p:spPr>
+            <a:xfrm>
+              <a:off x="0" y="0"/>
+              <a:ext cx="7406640" cy="197104"/>
+            </a:xfrm>
+            <a:custGeom>
+              <a:avLst/>
+              <a:gdLst/>
+              <a:ahLst/>
+              <a:cxnLst/>
+              <a:rect l="l" t="t" r="r" b="b"/>
+              <a:pathLst>
+                <a:path w="7406640" h="197104">
+                  <a:moveTo>
+                    <a:pt x="0" y="0"/>
+                  </a:moveTo>
+                  <a:lnTo>
+                    <a:pt x="7406640" y="0"/>
+                  </a:lnTo>
+                  <a:lnTo>
+                    <a:pt x="7406640" y="197104"/>
+                  </a:lnTo>
+                  <a:lnTo>
+                    <a:pt x="0" y="197104"/>
+                  </a:lnTo>
+                  <a:close/>
+                </a:path>
+              </a:pathLst>
+            </a:custGeom>
+            <a:solidFill>
+              <a:srgbClr val="969FA7"/>
+            </a:solidFill>
+          </p:spPr>
+        </p:sp>
+      </p:grpSp>
+      <p:grpSp>
+        <p:nvGrpSpPr>
+          <p:cNvPr id="6" name="Group 6"/>
+          <p:cNvGrpSpPr/>
+          <p:nvPr/>
+        </p:nvGrpSpPr>
+        <p:grpSpPr>
+          <a:xfrm>
+            <a:off x="6362745" y="685800"/>
+            <a:ext cx="5554980" cy="137160"/>
+            <a:chOff x="0" y="0"/>
+            <a:chExt cx="7406640" cy="182880"/>
+          </a:xfrm>
+        </p:grpSpPr>
+        <p:sp>
+          <p:nvSpPr>
+            <p:cNvPr id="7" name="Freeform 7"/>
+            <p:cNvSpPr/>
+            <p:nvPr/>
+          </p:nvSpPr>
+          <p:spPr>
+            <a:xfrm>
+              <a:off x="0" y="0"/>
+              <a:ext cx="7406640" cy="182880"/>
+            </a:xfrm>
+            <a:custGeom>
+              <a:avLst/>
+              <a:gdLst/>
+              <a:ahLst/>
+              <a:cxnLst/>
+              <a:rect l="l" t="t" r="r" b="b"/>
+              <a:pathLst>
+                <a:path w="7406640" h="182880">
+                  <a:moveTo>
+                    <a:pt x="0" y="0"/>
+                  </a:moveTo>
+                  <a:lnTo>
+                    <a:pt x="7406640" y="0"/>
+                  </a:lnTo>
+                  <a:lnTo>
+                    <a:pt x="7406640" y="182880"/>
+                  </a:lnTo>
+                  <a:lnTo>
+                    <a:pt x="0" y="182880"/>
+                  </a:lnTo>
+                  <a:close/>
+                </a:path>
+              </a:pathLst>
+            </a:custGeom>
+            <a:solidFill>
+              <a:srgbClr val="1CADE4"/>
+            </a:solidFill>
+          </p:spPr>
+        </p:sp>
+      </p:grpSp>
+      <p:grpSp>
+        <p:nvGrpSpPr>
+          <p:cNvPr id="8" name="Group 8"/>
+          <p:cNvGrpSpPr>
+            <a:grpSpLocks noChangeAspect="1"/>
+          </p:cNvGrpSpPr>
+          <p:nvPr/>
+        </p:nvGrpSpPr>
+        <p:grpSpPr>
+          <a:xfrm>
+            <a:off x="15727505" y="9656865"/>
+            <a:ext cx="1688707" cy="547689"/>
+            <a:chOff x="0" y="0"/>
+            <a:chExt cx="2251610" cy="730252"/>
+          </a:xfrm>
+        </p:grpSpPr>
+        <p:sp>
+          <p:nvSpPr>
+            <p:cNvPr id="9" name="Freeform 9" descr="Logo  Description automatically generated"/>
+            <p:cNvSpPr/>
+            <p:nvPr/>
+          </p:nvSpPr>
+          <p:spPr>
+            <a:xfrm>
+              <a:off x="0" y="0"/>
+              <a:ext cx="2251583" cy="730250"/>
+            </a:xfrm>
+            <a:custGeom>
+              <a:avLst/>
+              <a:gdLst/>
+              <a:ahLst/>
+              <a:cxnLst/>
+              <a:rect l="l" t="t" r="r" b="b"/>
+              <a:pathLst>
+                <a:path w="2251583" h="730250">
+                  <a:moveTo>
+                    <a:pt x="0" y="0"/>
+                  </a:moveTo>
+                  <a:lnTo>
+                    <a:pt x="2251583" y="0"/>
+                  </a:lnTo>
+                  <a:lnTo>
+                    <a:pt x="2251583" y="730250"/>
+                  </a:lnTo>
+                  <a:lnTo>
+                    <a:pt x="0" y="730250"/>
+                  </a:lnTo>
+                  <a:lnTo>
+                    <a:pt x="0" y="0"/>
+                  </a:lnTo>
+                  <a:close/>
+                </a:path>
+              </a:pathLst>
+            </a:custGeom>
+            <a:blipFill>
+              <a:blip r:embed="rId2"/>
+              <a:stretch>
+                <a:fillRect t="-141" r="-1" b="-141"/>
+              </a:stretch>
+            </a:blipFill>
+          </p:spPr>
+        </p:sp>
+      </p:grpSp>
+      <p:grpSp>
+        <p:nvGrpSpPr>
+          <p:cNvPr id="10" name="Group 10"/>
+          <p:cNvGrpSpPr/>
+          <p:nvPr/>
+        </p:nvGrpSpPr>
+        <p:grpSpPr>
+          <a:xfrm>
             <a:off x="871788" y="828295"/>
             <a:ext cx="16544424" cy="1322061"/>
             <a:chOff x="0" y="0"/>
@@ -4163,7 +4810,7 @@
 </p:sld>
 </file>
 
-<file path=ppt/slides/slide11.xml><?xml version="1.0" encoding="utf-8"?>
+<file path=ppt/slides/slide12.xml><?xml version="1.0" encoding="utf-8"?>
 <p:sld xmlns:a="http://schemas.openxmlformats.org/drawingml/2006/main" xmlns:r="http://schemas.openxmlformats.org/officeDocument/2006/relationships" xmlns:p="http://schemas.openxmlformats.org/presentationml/2006/main">
   <p:cSld>
     <p:spTree>
@@ -4656,7 +5303,7 @@
 </p:sld>
 </file>
 
-<file path=ppt/slides/slide12.xml><?xml version="1.0" encoding="utf-8"?>
+<file path=ppt/slides/slide13.xml><?xml version="1.0" encoding="utf-8"?>
 <p:sld xmlns:a="http://schemas.openxmlformats.org/drawingml/2006/main" xmlns:r="http://schemas.openxmlformats.org/officeDocument/2006/relationships" xmlns:p="http://schemas.openxmlformats.org/presentationml/2006/main">
   <p:cSld>
     <p:spTree>
@@ -5150,7 +5797,7 @@
 </p:sld>
 </file>
 
-<file path=ppt/slides/slide13.xml><?xml version="1.0" encoding="utf-8"?>
+<file path=ppt/slides/slide14.xml><?xml version="1.0" encoding="utf-8"?>
 <p:sld xmlns:a="http://schemas.openxmlformats.org/drawingml/2006/main" xmlns:r="http://schemas.openxmlformats.org/officeDocument/2006/relationships" xmlns:p="http://schemas.openxmlformats.org/presentationml/2006/main">
   <p:cSld>
     <p:spTree>
@@ -5644,7 +6291,7 @@
 </p:sld>
 </file>
 
-<file path=ppt/slides/slide14.xml><?xml version="1.0" encoding="utf-8"?>
+<file path=ppt/slides/slide15.xml><?xml version="1.0" encoding="utf-8"?>
 <p:sld xmlns:a="http://schemas.openxmlformats.org/drawingml/2006/main" xmlns:r="http://schemas.openxmlformats.org/officeDocument/2006/relationships" xmlns:p="http://schemas.openxmlformats.org/presentationml/2006/main">
   <p:cSld>
     <p:spTree>
@@ -8030,7 +8677,7 @@
                 <a:buChar char="•"/>
               </a:pPr>
               <a:r>
-                <a:rPr lang="en-US" sz="2700" b="1">
+                <a:rPr lang="en-US" sz="2700" b="1" dirty="0">
                   <a:solidFill>
                     <a:srgbClr val="404040"/>
                   </a:solidFill>
@@ -8042,7 +8689,7 @@
                 <a:t>Data Source:</a:t>
               </a:r>
               <a:r>
-                <a:rPr lang="en-US" sz="2700">
+                <a:rPr lang="en-US" sz="2700" dirty="0">
                   <a:solidFill>
                     <a:srgbClr val="404040"/>
                   </a:solidFill>
@@ -8063,7 +8710,7 @@
                 <a:buChar char="•"/>
               </a:pPr>
               <a:r>
-                <a:rPr lang="en-US" sz="2700" b="1">
+                <a:rPr lang="en-US" sz="2700" b="1" dirty="0">
                   <a:solidFill>
                     <a:srgbClr val="404040"/>
                   </a:solidFill>
@@ -8075,7 +8722,7 @@
                 <a:t>Cleaning:</a:t>
               </a:r>
               <a:r>
-                <a:rPr lang="en-US" sz="2700">
+                <a:rPr lang="en-US" sz="2700" dirty="0">
                   <a:solidFill>
                     <a:srgbClr val="404040"/>
                   </a:solidFill>
@@ -8096,7 +8743,7 @@
                 <a:buChar char="•"/>
               </a:pPr>
               <a:r>
-                <a:rPr lang="en-US" sz="2700" b="1">
+                <a:rPr lang="en-US" sz="2700" b="1" dirty="0">
                   <a:solidFill>
                     <a:srgbClr val="404040"/>
                   </a:solidFill>
@@ -8108,7 +8755,7 @@
                 <a:t>Pivoting:</a:t>
               </a:r>
               <a:r>
-                <a:rPr lang="en-US" sz="2700">
+                <a:rPr lang="en-US" sz="2700" dirty="0">
                   <a:solidFill>
                     <a:srgbClr val="404040"/>
                   </a:solidFill>
@@ -8129,7 +8776,7 @@
                 <a:buChar char="•"/>
               </a:pPr>
               <a:r>
-                <a:rPr lang="en-US" sz="2700" b="1">
+                <a:rPr lang="en-US" sz="2700" b="1" dirty="0">
                   <a:solidFill>
                     <a:srgbClr val="404040"/>
                   </a:solidFill>
@@ -8141,7 +8788,7 @@
                 <a:t>Modelling:</a:t>
               </a:r>
               <a:r>
-                <a:rPr lang="en-US" sz="2700">
+                <a:rPr lang="en-US" sz="2700" dirty="0">
                   <a:solidFill>
                     <a:srgbClr val="404040"/>
                   </a:solidFill>
@@ -8162,7 +8809,7 @@
                 <a:buChar char="•"/>
               </a:pPr>
               <a:r>
-                <a:rPr lang="en-US" sz="2700" b="1">
+                <a:rPr lang="en-US" sz="2700" b="1" dirty="0">
                   <a:solidFill>
                     <a:srgbClr val="404040"/>
                   </a:solidFill>
@@ -8183,7 +8830,7 @@
                 <a:buChar char="⚬"/>
               </a:pPr>
               <a:r>
-                <a:rPr lang="en-US" sz="2400">
+                <a:rPr lang="en-US" sz="2400" dirty="0">
                   <a:solidFill>
                     <a:srgbClr val="404040"/>
                   </a:solidFill>
@@ -8204,7 +8851,7 @@
                 <a:buChar char="⚬"/>
               </a:pPr>
               <a:r>
-                <a:rPr lang="en-US" sz="2400">
+                <a:rPr lang="en-US" sz="2400" dirty="0">
                   <a:solidFill>
                     <a:srgbClr val="404040"/>
                   </a:solidFill>
@@ -8225,7 +8872,7 @@
                 <a:buChar char="⚬"/>
               </a:pPr>
               <a:r>
-                <a:rPr lang="en-US" sz="2400">
+                <a:rPr lang="en-US" sz="2400" dirty="0" err="1">
                   <a:solidFill>
                     <a:srgbClr val="404040"/>
                   </a:solidFill>
@@ -8234,7 +8881,19 @@
                   <a:cs typeface="ITC Franklin Gothic LT"/>
                   <a:sym typeface="ITC Franklin Gothic LT"/>
                 </a:rPr>
-                <a:t>Jupyter Notebook</a:t>
+                <a:t>Jupyter</a:t>
+              </a:r>
+              <a:r>
+                <a:rPr lang="en-US" sz="2400" dirty="0">
+                  <a:solidFill>
+                    <a:srgbClr val="404040"/>
+                  </a:solidFill>
+                  <a:latin typeface="ITC Franklin Gothic LT"/>
+                  <a:ea typeface="ITC Franklin Gothic LT"/>
+                  <a:cs typeface="ITC Franklin Gothic LT"/>
+                  <a:sym typeface="ITC Franklin Gothic LT"/>
+                </a:rPr>
+                <a:t> Notebook</a:t>
               </a:r>
             </a:p>
             <a:p>
@@ -8246,7 +8905,7 @@
                 <a:buChar char="⚬"/>
               </a:pPr>
               <a:r>
-                <a:rPr lang="en-US" sz="2400">
+                <a:rPr lang="en-US" sz="2400" dirty="0">
                   <a:solidFill>
                     <a:srgbClr val="404040"/>
                   </a:solidFill>
@@ -8264,7 +8923,7 @@
                   <a:spcPts val="3564"/>
                 </a:lnSpc>
               </a:pPr>
-              <a:endParaRPr lang="en-US" sz="2400">
+              <a:endParaRPr lang="en-US" sz="2400" dirty="0">
                 <a:solidFill>
                   <a:srgbClr val="404040"/>
                 </a:solidFill>
@@ -9286,7 +9945,13 @@
   <p:cSld>
     <p:spTree>
       <p:nvGrpSpPr>
-        <p:cNvPr id="1" name=""/>
+        <p:cNvPr id="1" name="">
+          <a:extLst>
+            <a:ext uri="{FF2B5EF4-FFF2-40B4-BE49-F238E27FC236}">
+              <a16:creationId xmlns:a16="http://schemas.microsoft.com/office/drawing/2014/main" id="{FA07D024-FE87-B8D9-0D6F-FD9B72694293}"/>
+            </a:ext>
+          </a:extLst>
+        </p:cNvPr>
         <p:cNvGrpSpPr/>
         <p:nvPr/>
       </p:nvGrpSpPr>
@@ -9300,7 +9965,13 @@
       </p:grpSpPr>
       <p:grpSp>
         <p:nvGrpSpPr>
-          <p:cNvPr id="2" name="Group 2"/>
+          <p:cNvPr id="2" name="Group 2">
+            <a:extLst>
+              <a:ext uri="{FF2B5EF4-FFF2-40B4-BE49-F238E27FC236}">
+                <a16:creationId xmlns:a16="http://schemas.microsoft.com/office/drawing/2014/main" id="{3A11B5DE-3DD7-BD69-F2B5-91D2CF58E080}"/>
+              </a:ext>
+            </a:extLst>
+          </p:cNvPr>
           <p:cNvGrpSpPr/>
           <p:nvPr/>
         </p:nvGrpSpPr>
@@ -9314,7 +9985,13 @@
         </p:grpSpPr>
         <p:sp>
           <p:nvSpPr>
-            <p:cNvPr id="3" name="Freeform 3"/>
+            <p:cNvPr id="3" name="Freeform 3">
+              <a:extLst>
+                <a:ext uri="{FF2B5EF4-FFF2-40B4-BE49-F238E27FC236}">
+                  <a16:creationId xmlns:a16="http://schemas.microsoft.com/office/drawing/2014/main" id="{CD7886D4-5DD7-4419-1A5B-E165A71ABDB7}"/>
+                </a:ext>
+              </a:extLst>
+            </p:cNvPr>
             <p:cNvSpPr/>
             <p:nvPr/>
           </p:nvSpPr>
@@ -9355,7 +10032,13 @@
       </p:grpSp>
       <p:grpSp>
         <p:nvGrpSpPr>
-          <p:cNvPr id="4" name="Group 4"/>
+          <p:cNvPr id="4" name="Group 4">
+            <a:extLst>
+              <a:ext uri="{FF2B5EF4-FFF2-40B4-BE49-F238E27FC236}">
+                <a16:creationId xmlns:a16="http://schemas.microsoft.com/office/drawing/2014/main" id="{EF98BB1F-82D6-DB62-E910-E685059A5AD4}"/>
+              </a:ext>
+            </a:extLst>
+          </p:cNvPr>
           <p:cNvGrpSpPr/>
           <p:nvPr/>
         </p:nvGrpSpPr>
@@ -9369,7 +10052,13 @@
         </p:grpSpPr>
         <p:sp>
           <p:nvSpPr>
-            <p:cNvPr id="5" name="Freeform 5"/>
+            <p:cNvPr id="5" name="Freeform 5">
+              <a:extLst>
+                <a:ext uri="{FF2B5EF4-FFF2-40B4-BE49-F238E27FC236}">
+                  <a16:creationId xmlns:a16="http://schemas.microsoft.com/office/drawing/2014/main" id="{0553E573-F4D8-F31F-370D-285418862B20}"/>
+                </a:ext>
+              </a:extLst>
+            </p:cNvPr>
             <p:cNvSpPr/>
             <p:nvPr/>
           </p:nvSpPr>
@@ -9410,7 +10099,13 @@
       </p:grpSp>
       <p:grpSp>
         <p:nvGrpSpPr>
-          <p:cNvPr id="6" name="Group 6"/>
+          <p:cNvPr id="6" name="Group 6">
+            <a:extLst>
+              <a:ext uri="{FF2B5EF4-FFF2-40B4-BE49-F238E27FC236}">
+                <a16:creationId xmlns:a16="http://schemas.microsoft.com/office/drawing/2014/main" id="{3189ADE1-A12E-E0E6-A9EB-7D0E0572FDFE}"/>
+              </a:ext>
+            </a:extLst>
+          </p:cNvPr>
           <p:cNvGrpSpPr/>
           <p:nvPr/>
         </p:nvGrpSpPr>
@@ -9424,7 +10119,13 @@
         </p:grpSpPr>
         <p:sp>
           <p:nvSpPr>
-            <p:cNvPr id="7" name="Freeform 7"/>
+            <p:cNvPr id="7" name="Freeform 7">
+              <a:extLst>
+                <a:ext uri="{FF2B5EF4-FFF2-40B4-BE49-F238E27FC236}">
+                  <a16:creationId xmlns:a16="http://schemas.microsoft.com/office/drawing/2014/main" id="{2092C0B7-C32A-0DF0-F307-C6C042BFFE0A}"/>
+                </a:ext>
+              </a:extLst>
+            </p:cNvPr>
             <p:cNvSpPr/>
             <p:nvPr/>
           </p:nvSpPr>
@@ -9465,7 +10166,13 @@
       </p:grpSp>
       <p:grpSp>
         <p:nvGrpSpPr>
-          <p:cNvPr id="8" name="Group 8"/>
+          <p:cNvPr id="8" name="Group 8">
+            <a:extLst>
+              <a:ext uri="{FF2B5EF4-FFF2-40B4-BE49-F238E27FC236}">
+                <a16:creationId xmlns:a16="http://schemas.microsoft.com/office/drawing/2014/main" id="{0D5DED33-9070-FFFB-CB0A-7D82DF6477CA}"/>
+              </a:ext>
+            </a:extLst>
+          </p:cNvPr>
           <p:cNvGrpSpPr>
             <a:grpSpLocks noChangeAspect="1"/>
           </p:cNvGrpSpPr>
@@ -9481,7 +10188,13 @@
         </p:grpSpPr>
         <p:sp>
           <p:nvSpPr>
-            <p:cNvPr id="9" name="Freeform 9" descr="Logo  Description automatically generated"/>
+            <p:cNvPr id="9" name="Freeform 9" descr="Logo  Description automatically generated">
+              <a:extLst>
+                <a:ext uri="{FF2B5EF4-FFF2-40B4-BE49-F238E27FC236}">
+                  <a16:creationId xmlns:a16="http://schemas.microsoft.com/office/drawing/2014/main" id="{9E3606E4-B959-E9A3-84C7-9CB24DAFD217}"/>
+                </a:ext>
+              </a:extLst>
+            </p:cNvPr>
             <p:cNvSpPr/>
             <p:nvPr/>
           </p:nvSpPr>
@@ -9528,7 +10241,13 @@
       </p:grpSp>
       <p:grpSp>
         <p:nvGrpSpPr>
-          <p:cNvPr id="10" name="Group 10"/>
+          <p:cNvPr id="10" name="Group 10">
+            <a:extLst>
+              <a:ext uri="{FF2B5EF4-FFF2-40B4-BE49-F238E27FC236}">
+                <a16:creationId xmlns:a16="http://schemas.microsoft.com/office/drawing/2014/main" id="{85E97E47-3952-3C54-FE17-D6C46FEEE771}"/>
+              </a:ext>
+            </a:extLst>
+          </p:cNvPr>
           <p:cNvGrpSpPr/>
           <p:nvPr/>
         </p:nvGrpSpPr>
@@ -9542,7 +10261,13 @@
         </p:grpSpPr>
         <p:sp>
           <p:nvSpPr>
-            <p:cNvPr id="11" name="Freeform 11"/>
+            <p:cNvPr id="11" name="Freeform 11">
+              <a:extLst>
+                <a:ext uri="{FF2B5EF4-FFF2-40B4-BE49-F238E27FC236}">
+                  <a16:creationId xmlns:a16="http://schemas.microsoft.com/office/drawing/2014/main" id="{E7307219-6964-5497-F190-B450B1314B06}"/>
+                </a:ext>
+              </a:extLst>
+            </p:cNvPr>
             <p:cNvSpPr/>
             <p:nvPr/>
           </p:nvSpPr>
@@ -9584,7 +10309,13 @@
         </p:sp>
         <p:sp>
           <p:nvSpPr>
-            <p:cNvPr id="12" name="TextBox 12"/>
+            <p:cNvPr id="12" name="TextBox 12">
+              <a:extLst>
+                <a:ext uri="{FF2B5EF4-FFF2-40B4-BE49-F238E27FC236}">
+                  <a16:creationId xmlns:a16="http://schemas.microsoft.com/office/drawing/2014/main" id="{34EFEEE7-DB26-AD5D-04F4-74CB0CADED76}"/>
+                </a:ext>
+              </a:extLst>
+            </p:cNvPr>
             <p:cNvSpPr txBox="1"/>
             <p:nvPr/>
           </p:nvSpPr>
@@ -9624,7 +10355,13 @@
       </p:grpSp>
       <p:grpSp>
         <p:nvGrpSpPr>
-          <p:cNvPr id="13" name="Group 13"/>
+          <p:cNvPr id="13" name="Group 13">
+            <a:extLst>
+              <a:ext uri="{FF2B5EF4-FFF2-40B4-BE49-F238E27FC236}">
+                <a16:creationId xmlns:a16="http://schemas.microsoft.com/office/drawing/2014/main" id="{734C8E4C-1E53-E8DD-8DAF-4A79D05B870C}"/>
+              </a:ext>
+            </a:extLst>
+          </p:cNvPr>
           <p:cNvGrpSpPr/>
           <p:nvPr/>
         </p:nvGrpSpPr>
@@ -9638,7 +10375,13 @@
         </p:grpSpPr>
         <p:sp>
           <p:nvSpPr>
-            <p:cNvPr id="14" name="Freeform 14"/>
+            <p:cNvPr id="14" name="Freeform 14">
+              <a:extLst>
+                <a:ext uri="{FF2B5EF4-FFF2-40B4-BE49-F238E27FC236}">
+                  <a16:creationId xmlns:a16="http://schemas.microsoft.com/office/drawing/2014/main" id="{D2F6F55D-8436-442F-31A6-41474AE1F472}"/>
+                </a:ext>
+              </a:extLst>
+            </p:cNvPr>
             <p:cNvSpPr/>
             <p:nvPr/>
           </p:nvSpPr>
@@ -9680,7 +10423,13 @@
         </p:sp>
         <p:sp>
           <p:nvSpPr>
-            <p:cNvPr id="15" name="TextBox 15"/>
+            <p:cNvPr id="15" name="TextBox 15">
+              <a:extLst>
+                <a:ext uri="{FF2B5EF4-FFF2-40B4-BE49-F238E27FC236}">
+                  <a16:creationId xmlns:a16="http://schemas.microsoft.com/office/drawing/2014/main" id="{5061A6EC-D2F5-4C44-265C-5D61C0ED9D05}"/>
+                </a:ext>
+              </a:extLst>
+            </p:cNvPr>
             <p:cNvSpPr txBox="1"/>
             <p:nvPr/>
           </p:nvSpPr>
@@ -9717,10 +10466,10 @@
       </p:grpSp>
       <p:pic>
         <p:nvPicPr>
-          <p:cNvPr id="21" name="Picture 20">
+          <p:cNvPr id="22" name="Picture 21">
             <a:extLst>
               <a:ext uri="{FF2B5EF4-FFF2-40B4-BE49-F238E27FC236}">
-                <a16:creationId xmlns:a16="http://schemas.microsoft.com/office/drawing/2014/main" id="{6E965A60-B24B-9DBA-27B4-29BE0B89E0C7}"/>
+                <a16:creationId xmlns:a16="http://schemas.microsoft.com/office/drawing/2014/main" id="{6BD52C69-2DF4-4C99-D1AD-B8AFEAF080C5}"/>
               </a:ext>
             </a:extLst>
           </p:cNvPr>
@@ -9737,27 +10486,564 @@
               </a:ext>
             </a:extLst>
           </a:blip>
-          <a:srcRect l="1538" r="2036"/>
+          <a:srcRect l="1231" r="815"/>
           <a:stretch>
             <a:fillRect/>
           </a:stretch>
         </p:blipFill>
         <p:spPr>
           <a:xfrm>
-            <a:off x="533400" y="1838679"/>
-            <a:ext cx="9711860" cy="4768119"/>
+            <a:off x="1616199" y="1750710"/>
+            <a:ext cx="16002000" cy="7712678"/>
           </a:xfrm>
           <a:prstGeom prst="rect">
             <a:avLst/>
           </a:prstGeom>
         </p:spPr>
       </p:pic>
+    </p:spTree>
+    <p:extLst>
+      <p:ext uri="{BB962C8B-B14F-4D97-AF65-F5344CB8AC3E}">
+        <p14:creationId xmlns:p14="http://schemas.microsoft.com/office/powerpoint/2010/main" val="3062149597"/>
+      </p:ext>
+    </p:extLst>
+  </p:cSld>
+  <p:clrMapOvr>
+    <a:masterClrMapping/>
+  </p:clrMapOvr>
+</p:sld>
+</file>
+
+<file path=ppt/slides/slide8.xml><?xml version="1.0" encoding="utf-8"?>
+<p:sld xmlns:a="http://schemas.openxmlformats.org/drawingml/2006/main" xmlns:r="http://schemas.openxmlformats.org/officeDocument/2006/relationships" xmlns:p="http://schemas.openxmlformats.org/presentationml/2006/main">
+  <p:cSld>
+    <p:spTree>
+      <p:nvGrpSpPr>
+        <p:cNvPr id="1" name="">
+          <a:extLst>
+            <a:ext uri="{FF2B5EF4-FFF2-40B4-BE49-F238E27FC236}">
+              <a16:creationId xmlns:a16="http://schemas.microsoft.com/office/drawing/2014/main" id="{11B8225C-2D5E-22D4-C314-5044FB6367E3}"/>
+            </a:ext>
+          </a:extLst>
+        </p:cNvPr>
+        <p:cNvGrpSpPr/>
+        <p:nvPr/>
+      </p:nvGrpSpPr>
+      <p:grpSpPr>
+        <a:xfrm>
+          <a:off x="0" y="0"/>
+          <a:ext cx="0" cy="0"/>
+          <a:chOff x="0" y="0"/>
+          <a:chExt cx="0" cy="0"/>
+        </a:xfrm>
+      </p:grpSpPr>
+      <p:grpSp>
+        <p:nvGrpSpPr>
+          <p:cNvPr id="2" name="Group 2">
+            <a:extLst>
+              <a:ext uri="{FF2B5EF4-FFF2-40B4-BE49-F238E27FC236}">
+                <a16:creationId xmlns:a16="http://schemas.microsoft.com/office/drawing/2014/main" id="{57BE729A-D59D-3E3C-B2F4-2CAA51D805BA}"/>
+              </a:ext>
+            </a:extLst>
+          </p:cNvPr>
+          <p:cNvGrpSpPr/>
+          <p:nvPr/>
+        </p:nvGrpSpPr>
+        <p:grpSpPr>
+          <a:xfrm>
+            <a:off x="669801" y="685800"/>
+            <a:ext cx="5554980" cy="142496"/>
+            <a:chOff x="0" y="0"/>
+            <a:chExt cx="7406640" cy="189994"/>
+          </a:xfrm>
+        </p:grpSpPr>
+        <p:sp>
+          <p:nvSpPr>
+            <p:cNvPr id="3" name="Freeform 3">
+              <a:extLst>
+                <a:ext uri="{FF2B5EF4-FFF2-40B4-BE49-F238E27FC236}">
+                  <a16:creationId xmlns:a16="http://schemas.microsoft.com/office/drawing/2014/main" id="{3D75B330-5D30-188F-0842-F783148E3C43}"/>
+                </a:ext>
+              </a:extLst>
+            </p:cNvPr>
+            <p:cNvSpPr/>
+            <p:nvPr/>
+          </p:nvSpPr>
+          <p:spPr>
+            <a:xfrm>
+              <a:off x="0" y="0"/>
+              <a:ext cx="7406640" cy="189992"/>
+            </a:xfrm>
+            <a:custGeom>
+              <a:avLst/>
+              <a:gdLst/>
+              <a:ahLst/>
+              <a:cxnLst/>
+              <a:rect l="l" t="t" r="r" b="b"/>
+              <a:pathLst>
+                <a:path w="7406640" h="189992">
+                  <a:moveTo>
+                    <a:pt x="0" y="0"/>
+                  </a:moveTo>
+                  <a:lnTo>
+                    <a:pt x="7406640" y="0"/>
+                  </a:lnTo>
+                  <a:lnTo>
+                    <a:pt x="7406640" y="189992"/>
+                  </a:lnTo>
+                  <a:lnTo>
+                    <a:pt x="0" y="189992"/>
+                  </a:lnTo>
+                  <a:close/>
+                </a:path>
+              </a:pathLst>
+            </a:custGeom>
+            <a:solidFill>
+              <a:srgbClr val="465359"/>
+            </a:solidFill>
+          </p:spPr>
+        </p:sp>
+      </p:grpSp>
+      <p:grpSp>
+        <p:nvGrpSpPr>
+          <p:cNvPr id="4" name="Group 4">
+            <a:extLst>
+              <a:ext uri="{FF2B5EF4-FFF2-40B4-BE49-F238E27FC236}">
+                <a16:creationId xmlns:a16="http://schemas.microsoft.com/office/drawing/2014/main" id="{B366C395-1CAE-2205-F984-5C06CA78AA9C}"/>
+              </a:ext>
+            </a:extLst>
+          </p:cNvPr>
+          <p:cNvGrpSpPr/>
+          <p:nvPr/>
+        </p:nvGrpSpPr>
+        <p:grpSpPr>
+          <a:xfrm>
+            <a:off x="12063220" y="680464"/>
+            <a:ext cx="5554980" cy="147831"/>
+            <a:chOff x="0" y="0"/>
+            <a:chExt cx="7406640" cy="197108"/>
+          </a:xfrm>
+        </p:grpSpPr>
+        <p:sp>
+          <p:nvSpPr>
+            <p:cNvPr id="5" name="Freeform 5">
+              <a:extLst>
+                <a:ext uri="{FF2B5EF4-FFF2-40B4-BE49-F238E27FC236}">
+                  <a16:creationId xmlns:a16="http://schemas.microsoft.com/office/drawing/2014/main" id="{31B17D55-DCF0-F6ED-F47B-356079C13E55}"/>
+                </a:ext>
+              </a:extLst>
+            </p:cNvPr>
+            <p:cNvSpPr/>
+            <p:nvPr/>
+          </p:nvSpPr>
+          <p:spPr>
+            <a:xfrm>
+              <a:off x="0" y="0"/>
+              <a:ext cx="7406640" cy="197104"/>
+            </a:xfrm>
+            <a:custGeom>
+              <a:avLst/>
+              <a:gdLst/>
+              <a:ahLst/>
+              <a:cxnLst/>
+              <a:rect l="l" t="t" r="r" b="b"/>
+              <a:pathLst>
+                <a:path w="7406640" h="197104">
+                  <a:moveTo>
+                    <a:pt x="0" y="0"/>
+                  </a:moveTo>
+                  <a:lnTo>
+                    <a:pt x="7406640" y="0"/>
+                  </a:lnTo>
+                  <a:lnTo>
+                    <a:pt x="7406640" y="197104"/>
+                  </a:lnTo>
+                  <a:lnTo>
+                    <a:pt x="0" y="197104"/>
+                  </a:lnTo>
+                  <a:close/>
+                </a:path>
+              </a:pathLst>
+            </a:custGeom>
+            <a:solidFill>
+              <a:srgbClr val="969FA7"/>
+            </a:solidFill>
+          </p:spPr>
+        </p:sp>
+      </p:grpSp>
+      <p:grpSp>
+        <p:nvGrpSpPr>
+          <p:cNvPr id="6" name="Group 6">
+            <a:extLst>
+              <a:ext uri="{FF2B5EF4-FFF2-40B4-BE49-F238E27FC236}">
+                <a16:creationId xmlns:a16="http://schemas.microsoft.com/office/drawing/2014/main" id="{71238832-C7FB-1B1D-994D-7760E3CE2489}"/>
+              </a:ext>
+            </a:extLst>
+          </p:cNvPr>
+          <p:cNvGrpSpPr/>
+          <p:nvPr/>
+        </p:nvGrpSpPr>
+        <p:grpSpPr>
+          <a:xfrm>
+            <a:off x="6362745" y="685800"/>
+            <a:ext cx="5554980" cy="137160"/>
+            <a:chOff x="0" y="0"/>
+            <a:chExt cx="7406640" cy="182880"/>
+          </a:xfrm>
+        </p:grpSpPr>
+        <p:sp>
+          <p:nvSpPr>
+            <p:cNvPr id="7" name="Freeform 7">
+              <a:extLst>
+                <a:ext uri="{FF2B5EF4-FFF2-40B4-BE49-F238E27FC236}">
+                  <a16:creationId xmlns:a16="http://schemas.microsoft.com/office/drawing/2014/main" id="{5B0EFFC2-CC28-DB4B-8496-B8E9A0C77F38}"/>
+                </a:ext>
+              </a:extLst>
+            </p:cNvPr>
+            <p:cNvSpPr/>
+            <p:nvPr/>
+          </p:nvSpPr>
+          <p:spPr>
+            <a:xfrm>
+              <a:off x="0" y="0"/>
+              <a:ext cx="7406640" cy="182880"/>
+            </a:xfrm>
+            <a:custGeom>
+              <a:avLst/>
+              <a:gdLst/>
+              <a:ahLst/>
+              <a:cxnLst/>
+              <a:rect l="l" t="t" r="r" b="b"/>
+              <a:pathLst>
+                <a:path w="7406640" h="182880">
+                  <a:moveTo>
+                    <a:pt x="0" y="0"/>
+                  </a:moveTo>
+                  <a:lnTo>
+                    <a:pt x="7406640" y="0"/>
+                  </a:lnTo>
+                  <a:lnTo>
+                    <a:pt x="7406640" y="182880"/>
+                  </a:lnTo>
+                  <a:lnTo>
+                    <a:pt x="0" y="182880"/>
+                  </a:lnTo>
+                  <a:close/>
+                </a:path>
+              </a:pathLst>
+            </a:custGeom>
+            <a:solidFill>
+              <a:srgbClr val="1CADE4"/>
+            </a:solidFill>
+          </p:spPr>
+        </p:sp>
+      </p:grpSp>
+      <p:grpSp>
+        <p:nvGrpSpPr>
+          <p:cNvPr id="8" name="Group 8">
+            <a:extLst>
+              <a:ext uri="{FF2B5EF4-FFF2-40B4-BE49-F238E27FC236}">
+                <a16:creationId xmlns:a16="http://schemas.microsoft.com/office/drawing/2014/main" id="{DB0CD8E5-E120-3896-915C-6B9C83AD3E0B}"/>
+              </a:ext>
+            </a:extLst>
+          </p:cNvPr>
+          <p:cNvGrpSpPr>
+            <a:grpSpLocks noChangeAspect="1"/>
+          </p:cNvGrpSpPr>
+          <p:nvPr/>
+        </p:nvGrpSpPr>
+        <p:grpSpPr>
+          <a:xfrm>
+            <a:off x="15727505" y="9656865"/>
+            <a:ext cx="1688707" cy="547689"/>
+            <a:chOff x="0" y="0"/>
+            <a:chExt cx="2251610" cy="730252"/>
+          </a:xfrm>
+        </p:grpSpPr>
+        <p:sp>
+          <p:nvSpPr>
+            <p:cNvPr id="9" name="Freeform 9" descr="Logo  Description automatically generated">
+              <a:extLst>
+                <a:ext uri="{FF2B5EF4-FFF2-40B4-BE49-F238E27FC236}">
+                  <a16:creationId xmlns:a16="http://schemas.microsoft.com/office/drawing/2014/main" id="{4AA8C49B-C2EF-1E3E-E83E-BD06ADB210A2}"/>
+                </a:ext>
+              </a:extLst>
+            </p:cNvPr>
+            <p:cNvSpPr/>
+            <p:nvPr/>
+          </p:nvSpPr>
+          <p:spPr>
+            <a:xfrm>
+              <a:off x="0" y="0"/>
+              <a:ext cx="2251583" cy="730250"/>
+            </a:xfrm>
+            <a:custGeom>
+              <a:avLst/>
+              <a:gdLst/>
+              <a:ahLst/>
+              <a:cxnLst/>
+              <a:rect l="l" t="t" r="r" b="b"/>
+              <a:pathLst>
+                <a:path w="2251583" h="730250">
+                  <a:moveTo>
+                    <a:pt x="0" y="0"/>
+                  </a:moveTo>
+                  <a:lnTo>
+                    <a:pt x="2251583" y="0"/>
+                  </a:lnTo>
+                  <a:lnTo>
+                    <a:pt x="2251583" y="730250"/>
+                  </a:lnTo>
+                  <a:lnTo>
+                    <a:pt x="0" y="730250"/>
+                  </a:lnTo>
+                  <a:lnTo>
+                    <a:pt x="0" y="0"/>
+                  </a:lnTo>
+                  <a:close/>
+                </a:path>
+              </a:pathLst>
+            </a:custGeom>
+            <a:blipFill>
+              <a:blip r:embed="rId2"/>
+              <a:stretch>
+                <a:fillRect t="-141" r="-1" b="-141"/>
+              </a:stretch>
+            </a:blipFill>
+          </p:spPr>
+        </p:sp>
+      </p:grpSp>
+      <p:grpSp>
+        <p:nvGrpSpPr>
+          <p:cNvPr id="10" name="Group 10">
+            <a:extLst>
+              <a:ext uri="{FF2B5EF4-FFF2-40B4-BE49-F238E27FC236}">
+                <a16:creationId xmlns:a16="http://schemas.microsoft.com/office/drawing/2014/main" id="{EF75C0A4-D6B4-DD81-AE0C-DF3F53817029}"/>
+              </a:ext>
+            </a:extLst>
+          </p:cNvPr>
+          <p:cNvGrpSpPr/>
+          <p:nvPr/>
+        </p:nvGrpSpPr>
+        <p:grpSpPr>
+          <a:xfrm>
+            <a:off x="871788" y="601234"/>
+            <a:ext cx="16544424" cy="1149476"/>
+            <a:chOff x="0" y="0"/>
+            <a:chExt cx="22059232" cy="1532635"/>
+          </a:xfrm>
+        </p:grpSpPr>
+        <p:sp>
+          <p:nvSpPr>
+            <p:cNvPr id="11" name="Freeform 11">
+              <a:extLst>
+                <a:ext uri="{FF2B5EF4-FFF2-40B4-BE49-F238E27FC236}">
+                  <a16:creationId xmlns:a16="http://schemas.microsoft.com/office/drawing/2014/main" id="{E91ED4F0-2B76-1E2F-6AF7-526542608CF7}"/>
+                </a:ext>
+              </a:extLst>
+            </p:cNvPr>
+            <p:cNvSpPr/>
+            <p:nvPr/>
+          </p:nvSpPr>
+          <p:spPr>
+            <a:xfrm>
+              <a:off x="0" y="0"/>
+              <a:ext cx="22059232" cy="1532635"/>
+            </a:xfrm>
+            <a:custGeom>
+              <a:avLst/>
+              <a:gdLst/>
+              <a:ahLst/>
+              <a:cxnLst/>
+              <a:rect l="l" t="t" r="r" b="b"/>
+              <a:pathLst>
+                <a:path w="22059232" h="1532635">
+                  <a:moveTo>
+                    <a:pt x="0" y="0"/>
+                  </a:moveTo>
+                  <a:lnTo>
+                    <a:pt x="22059232" y="0"/>
+                  </a:lnTo>
+                  <a:lnTo>
+                    <a:pt x="22059232" y="1532635"/>
+                  </a:lnTo>
+                  <a:lnTo>
+                    <a:pt x="0" y="1532635"/>
+                  </a:lnTo>
+                  <a:close/>
+                </a:path>
+              </a:pathLst>
+            </a:custGeom>
+            <a:solidFill>
+              <a:srgbClr val="000000">
+                <a:alpha val="0"/>
+              </a:srgbClr>
+            </a:solidFill>
+          </p:spPr>
+        </p:sp>
+        <p:sp>
+          <p:nvSpPr>
+            <p:cNvPr id="12" name="TextBox 12">
+              <a:extLst>
+                <a:ext uri="{FF2B5EF4-FFF2-40B4-BE49-F238E27FC236}">
+                  <a16:creationId xmlns:a16="http://schemas.microsoft.com/office/drawing/2014/main" id="{C7942322-9BCA-628E-D0A9-547850C4808E}"/>
+                </a:ext>
+              </a:extLst>
+            </p:cNvPr>
+            <p:cNvSpPr txBox="1"/>
+            <p:nvPr/>
+          </p:nvSpPr>
+          <p:spPr>
+            <a:xfrm>
+              <a:off x="0" y="-114300"/>
+              <a:ext cx="22059232" cy="1646935"/>
+            </a:xfrm>
+            <a:prstGeom prst="rect">
+              <a:avLst/>
+            </a:prstGeom>
+          </p:spPr>
+          <p:txBody>
+            <a:bodyPr lIns="0" tIns="0" rIns="0" bIns="0" rtlCol="0" anchor="b"/>
+            <a:lstStyle/>
+            <a:p>
+              <a:pPr algn="l">
+                <a:lnSpc>
+                  <a:spcPts val="7128"/>
+                </a:lnSpc>
+              </a:pPr>
+              <a:r>
+                <a:rPr lang="en-US" sz="5940" b="1">
+                  <a:solidFill>
+                    <a:srgbClr val="1CADE4"/>
+                  </a:solidFill>
+                  <a:latin typeface="Arial Bold"/>
+                  <a:ea typeface="Arial Bold"/>
+                  <a:cs typeface="Arial Bold"/>
+                  <a:sym typeface="Arial Bold"/>
+                </a:rPr>
+                <a:t>Result</a:t>
+              </a:r>
+            </a:p>
+          </p:txBody>
+        </p:sp>
+      </p:grpSp>
+      <p:grpSp>
+        <p:nvGrpSpPr>
+          <p:cNvPr id="13" name="Group 13">
+            <a:extLst>
+              <a:ext uri="{FF2B5EF4-FFF2-40B4-BE49-F238E27FC236}">
+                <a16:creationId xmlns:a16="http://schemas.microsoft.com/office/drawing/2014/main" id="{1BB84002-A20E-B551-4FC8-C604FB1E13AC}"/>
+              </a:ext>
+            </a:extLst>
+          </p:cNvPr>
+          <p:cNvGrpSpPr/>
+          <p:nvPr/>
+        </p:nvGrpSpPr>
+        <p:grpSpPr>
+          <a:xfrm>
+            <a:off x="871788" y="1953039"/>
+            <a:ext cx="16544422" cy="7009986"/>
+            <a:chOff x="0" y="0"/>
+            <a:chExt cx="22059230" cy="9346648"/>
+          </a:xfrm>
+        </p:grpSpPr>
+        <p:sp>
+          <p:nvSpPr>
+            <p:cNvPr id="14" name="Freeform 14">
+              <a:extLst>
+                <a:ext uri="{FF2B5EF4-FFF2-40B4-BE49-F238E27FC236}">
+                  <a16:creationId xmlns:a16="http://schemas.microsoft.com/office/drawing/2014/main" id="{157C6240-0498-97BC-0117-A002558C2F20}"/>
+                </a:ext>
+              </a:extLst>
+            </p:cNvPr>
+            <p:cNvSpPr/>
+            <p:nvPr/>
+          </p:nvSpPr>
+          <p:spPr>
+            <a:xfrm>
+              <a:off x="0" y="0"/>
+              <a:ext cx="22059230" cy="9346648"/>
+            </a:xfrm>
+            <a:custGeom>
+              <a:avLst/>
+              <a:gdLst/>
+              <a:ahLst/>
+              <a:cxnLst/>
+              <a:rect l="l" t="t" r="r" b="b"/>
+              <a:pathLst>
+                <a:path w="22059230" h="9346648">
+                  <a:moveTo>
+                    <a:pt x="0" y="0"/>
+                  </a:moveTo>
+                  <a:lnTo>
+                    <a:pt x="22059230" y="0"/>
+                  </a:lnTo>
+                  <a:lnTo>
+                    <a:pt x="22059230" y="9346648"/>
+                  </a:lnTo>
+                  <a:lnTo>
+                    <a:pt x="0" y="9346648"/>
+                  </a:lnTo>
+                  <a:close/>
+                </a:path>
+              </a:pathLst>
+            </a:custGeom>
+            <a:solidFill>
+              <a:srgbClr val="000000">
+                <a:alpha val="0"/>
+              </a:srgbClr>
+            </a:solidFill>
+          </p:spPr>
+        </p:sp>
+        <p:sp>
+          <p:nvSpPr>
+            <p:cNvPr id="15" name="TextBox 15">
+              <a:extLst>
+                <a:ext uri="{FF2B5EF4-FFF2-40B4-BE49-F238E27FC236}">
+                  <a16:creationId xmlns:a16="http://schemas.microsoft.com/office/drawing/2014/main" id="{D0B115DE-5109-F11E-6AE4-0A8182828B87}"/>
+                </a:ext>
+              </a:extLst>
+            </p:cNvPr>
+            <p:cNvSpPr txBox="1"/>
+            <p:nvPr/>
+          </p:nvSpPr>
+          <p:spPr>
+            <a:xfrm>
+              <a:off x="0" y="-114300"/>
+              <a:ext cx="22059230" cy="9460948"/>
+            </a:xfrm>
+            <a:prstGeom prst="rect">
+              <a:avLst/>
+            </a:prstGeom>
+          </p:spPr>
+          <p:txBody>
+            <a:bodyPr lIns="0" tIns="0" rIns="0" bIns="0" rtlCol="0" anchor="ctr"/>
+            <a:lstStyle/>
+            <a:p>
+              <a:pPr algn="l">
+                <a:lnSpc>
+                  <a:spcPts val="4752"/>
+                </a:lnSpc>
+              </a:pPr>
+              <a:endParaRPr lang="en-US" sz="3600" dirty="0">
+                <a:solidFill>
+                  <a:srgbClr val="0F0F0F"/>
+                </a:solidFill>
+                <a:latin typeface="ITC Franklin Gothic LT"/>
+                <a:ea typeface="ITC Franklin Gothic LT"/>
+                <a:cs typeface="ITC Franklin Gothic LT"/>
+                <a:sym typeface="ITC Franklin Gothic LT"/>
+              </a:endParaRPr>
+            </a:p>
+          </p:txBody>
+        </p:sp>
+      </p:grpSp>
       <p:pic>
         <p:nvPicPr>
           <p:cNvPr id="17" name="Picture 16">
             <a:extLst>
               <a:ext uri="{FF2B5EF4-FFF2-40B4-BE49-F238E27FC236}">
-                <a16:creationId xmlns:a16="http://schemas.microsoft.com/office/drawing/2014/main" id="{30552B01-BBFA-40E9-A297-B61F874FDC1B}"/>
+                <a16:creationId xmlns:a16="http://schemas.microsoft.com/office/drawing/2014/main" id="{F4245EA2-3FD0-FE5D-37DF-057CFC5ACB90}"/>
               </a:ext>
             </a:extLst>
           </p:cNvPr>
@@ -9767,22 +11053,20 @@
           <p:nvPr/>
         </p:nvPicPr>
         <p:blipFill>
-          <a:blip r:embed="rId4">
+          <a:blip r:embed="rId3">
             <a:extLst>
               <a:ext uri="{28A0092B-C50C-407E-A947-70E740481C1C}">
                 <a14:useLocalDpi xmlns:a14="http://schemas.microsoft.com/office/drawing/2010/main" val="0"/>
               </a:ext>
             </a:extLst>
           </a:blip>
-          <a:srcRect l="1681" r="3235"/>
-          <a:stretch>
-            <a:fillRect/>
-          </a:stretch>
+          <a:srcRect l="2822" r="2822"/>
+          <a:stretch/>
         </p:blipFill>
         <p:spPr>
           <a:xfrm>
-            <a:off x="5078805" y="3313143"/>
-            <a:ext cx="12539392" cy="6288057"/>
+            <a:off x="2133600" y="1781142"/>
+            <a:ext cx="15245721" cy="7645184"/>
           </a:xfrm>
           <a:prstGeom prst="rect">
             <a:avLst/>
@@ -9790,6 +11074,11 @@
         </p:spPr>
       </p:pic>
     </p:spTree>
+    <p:extLst>
+      <p:ext uri="{BB962C8B-B14F-4D97-AF65-F5344CB8AC3E}">
+        <p14:creationId xmlns:p14="http://schemas.microsoft.com/office/powerpoint/2010/main" val="3353132384"/>
+      </p:ext>
+    </p:extLst>
   </p:cSld>
   <p:clrMapOvr>
     <a:masterClrMapping/>
@@ -9797,7 +11086,7 @@
 </p:sld>
 </file>
 
-<file path=ppt/slides/slide8.xml><?xml version="1.0" encoding="utf-8"?>
+<file path=ppt/slides/slide9.xml><?xml version="1.0" encoding="utf-8"?>
 <p:sld xmlns:a="http://schemas.openxmlformats.org/drawingml/2006/main" xmlns:r="http://schemas.openxmlformats.org/officeDocument/2006/relationships" xmlns:p="http://schemas.openxmlformats.org/presentationml/2006/main">
   <p:cSld>
     <p:spTree>
@@ -10281,553 +11570,6 @@
                   <a:sym typeface="ITC Franklin Gothic LT"/>
                 </a:rPr>
                 <a:t>While some indicators showed high variance, the project establishes a strong foundation for scalable analysis.</a:t>
-              </a:r>
-            </a:p>
-          </p:txBody>
-        </p:sp>
-      </p:grpSp>
-    </p:spTree>
-  </p:cSld>
-  <p:clrMapOvr>
-    <a:masterClrMapping/>
-  </p:clrMapOvr>
-</p:sld>
-</file>
-
-<file path=ppt/slides/slide9.xml><?xml version="1.0" encoding="utf-8"?>
-<p:sld xmlns:a="http://schemas.openxmlformats.org/drawingml/2006/main" xmlns:r="http://schemas.openxmlformats.org/officeDocument/2006/relationships" xmlns:p="http://schemas.openxmlformats.org/presentationml/2006/main">
-  <p:cSld>
-    <p:spTree>
-      <p:nvGrpSpPr>
-        <p:cNvPr id="1" name=""/>
-        <p:cNvGrpSpPr/>
-        <p:nvPr/>
-      </p:nvGrpSpPr>
-      <p:grpSpPr>
-        <a:xfrm>
-          <a:off x="0" y="0"/>
-          <a:ext cx="0" cy="0"/>
-          <a:chOff x="0" y="0"/>
-          <a:chExt cx="0" cy="0"/>
-        </a:xfrm>
-      </p:grpSpPr>
-      <p:grpSp>
-        <p:nvGrpSpPr>
-          <p:cNvPr id="2" name="Group 2"/>
-          <p:cNvGrpSpPr/>
-          <p:nvPr/>
-        </p:nvGrpSpPr>
-        <p:grpSpPr>
-          <a:xfrm>
-            <a:off x="669801" y="685800"/>
-            <a:ext cx="5554980" cy="142496"/>
-            <a:chOff x="0" y="0"/>
-            <a:chExt cx="7406640" cy="189994"/>
-          </a:xfrm>
-        </p:grpSpPr>
-        <p:sp>
-          <p:nvSpPr>
-            <p:cNvPr id="3" name="Freeform 3"/>
-            <p:cNvSpPr/>
-            <p:nvPr/>
-          </p:nvSpPr>
-          <p:spPr>
-            <a:xfrm>
-              <a:off x="0" y="0"/>
-              <a:ext cx="7406640" cy="189992"/>
-            </a:xfrm>
-            <a:custGeom>
-              <a:avLst/>
-              <a:gdLst/>
-              <a:ahLst/>
-              <a:cxnLst/>
-              <a:rect l="l" t="t" r="r" b="b"/>
-              <a:pathLst>
-                <a:path w="7406640" h="189992">
-                  <a:moveTo>
-                    <a:pt x="0" y="0"/>
-                  </a:moveTo>
-                  <a:lnTo>
-                    <a:pt x="7406640" y="0"/>
-                  </a:lnTo>
-                  <a:lnTo>
-                    <a:pt x="7406640" y="189992"/>
-                  </a:lnTo>
-                  <a:lnTo>
-                    <a:pt x="0" y="189992"/>
-                  </a:lnTo>
-                  <a:close/>
-                </a:path>
-              </a:pathLst>
-            </a:custGeom>
-            <a:solidFill>
-              <a:srgbClr val="465359"/>
-            </a:solidFill>
-          </p:spPr>
-        </p:sp>
-      </p:grpSp>
-      <p:grpSp>
-        <p:nvGrpSpPr>
-          <p:cNvPr id="4" name="Group 4"/>
-          <p:cNvGrpSpPr/>
-          <p:nvPr/>
-        </p:nvGrpSpPr>
-        <p:grpSpPr>
-          <a:xfrm>
-            <a:off x="12063220" y="680464"/>
-            <a:ext cx="5554980" cy="147831"/>
-            <a:chOff x="0" y="0"/>
-            <a:chExt cx="7406640" cy="197108"/>
-          </a:xfrm>
-        </p:grpSpPr>
-        <p:sp>
-          <p:nvSpPr>
-            <p:cNvPr id="5" name="Freeform 5"/>
-            <p:cNvSpPr/>
-            <p:nvPr/>
-          </p:nvSpPr>
-          <p:spPr>
-            <a:xfrm>
-              <a:off x="0" y="0"/>
-              <a:ext cx="7406640" cy="197104"/>
-            </a:xfrm>
-            <a:custGeom>
-              <a:avLst/>
-              <a:gdLst/>
-              <a:ahLst/>
-              <a:cxnLst/>
-              <a:rect l="l" t="t" r="r" b="b"/>
-              <a:pathLst>
-                <a:path w="7406640" h="197104">
-                  <a:moveTo>
-                    <a:pt x="0" y="0"/>
-                  </a:moveTo>
-                  <a:lnTo>
-                    <a:pt x="7406640" y="0"/>
-                  </a:lnTo>
-                  <a:lnTo>
-                    <a:pt x="7406640" y="197104"/>
-                  </a:lnTo>
-                  <a:lnTo>
-                    <a:pt x="0" y="197104"/>
-                  </a:lnTo>
-                  <a:close/>
-                </a:path>
-              </a:pathLst>
-            </a:custGeom>
-            <a:solidFill>
-              <a:srgbClr val="969FA7"/>
-            </a:solidFill>
-          </p:spPr>
-        </p:sp>
-      </p:grpSp>
-      <p:grpSp>
-        <p:nvGrpSpPr>
-          <p:cNvPr id="6" name="Group 6"/>
-          <p:cNvGrpSpPr/>
-          <p:nvPr/>
-        </p:nvGrpSpPr>
-        <p:grpSpPr>
-          <a:xfrm>
-            <a:off x="6362745" y="685800"/>
-            <a:ext cx="5554980" cy="137160"/>
-            <a:chOff x="0" y="0"/>
-            <a:chExt cx="7406640" cy="182880"/>
-          </a:xfrm>
-        </p:grpSpPr>
-        <p:sp>
-          <p:nvSpPr>
-            <p:cNvPr id="7" name="Freeform 7"/>
-            <p:cNvSpPr/>
-            <p:nvPr/>
-          </p:nvSpPr>
-          <p:spPr>
-            <a:xfrm>
-              <a:off x="0" y="0"/>
-              <a:ext cx="7406640" cy="182880"/>
-            </a:xfrm>
-            <a:custGeom>
-              <a:avLst/>
-              <a:gdLst/>
-              <a:ahLst/>
-              <a:cxnLst/>
-              <a:rect l="l" t="t" r="r" b="b"/>
-              <a:pathLst>
-                <a:path w="7406640" h="182880">
-                  <a:moveTo>
-                    <a:pt x="0" y="0"/>
-                  </a:moveTo>
-                  <a:lnTo>
-                    <a:pt x="7406640" y="0"/>
-                  </a:lnTo>
-                  <a:lnTo>
-                    <a:pt x="7406640" y="182880"/>
-                  </a:lnTo>
-                  <a:lnTo>
-                    <a:pt x="0" y="182880"/>
-                  </a:lnTo>
-                  <a:close/>
-                </a:path>
-              </a:pathLst>
-            </a:custGeom>
-            <a:solidFill>
-              <a:srgbClr val="1CADE4"/>
-            </a:solidFill>
-          </p:spPr>
-        </p:sp>
-      </p:grpSp>
-      <p:grpSp>
-        <p:nvGrpSpPr>
-          <p:cNvPr id="8" name="Group 8"/>
-          <p:cNvGrpSpPr>
-            <a:grpSpLocks noChangeAspect="1"/>
-          </p:cNvGrpSpPr>
-          <p:nvPr/>
-        </p:nvGrpSpPr>
-        <p:grpSpPr>
-          <a:xfrm>
-            <a:off x="15727505" y="9656865"/>
-            <a:ext cx="1688707" cy="547689"/>
-            <a:chOff x="0" y="0"/>
-            <a:chExt cx="2251610" cy="730252"/>
-          </a:xfrm>
-        </p:grpSpPr>
-        <p:sp>
-          <p:nvSpPr>
-            <p:cNvPr id="9" name="Freeform 9" descr="Logo  Description automatically generated"/>
-            <p:cNvSpPr/>
-            <p:nvPr/>
-          </p:nvSpPr>
-          <p:spPr>
-            <a:xfrm>
-              <a:off x="0" y="0"/>
-              <a:ext cx="2251583" cy="730250"/>
-            </a:xfrm>
-            <a:custGeom>
-              <a:avLst/>
-              <a:gdLst/>
-              <a:ahLst/>
-              <a:cxnLst/>
-              <a:rect l="l" t="t" r="r" b="b"/>
-              <a:pathLst>
-                <a:path w="2251583" h="730250">
-                  <a:moveTo>
-                    <a:pt x="0" y="0"/>
-                  </a:moveTo>
-                  <a:lnTo>
-                    <a:pt x="2251583" y="0"/>
-                  </a:lnTo>
-                  <a:lnTo>
-                    <a:pt x="2251583" y="730250"/>
-                  </a:lnTo>
-                  <a:lnTo>
-                    <a:pt x="0" y="730250"/>
-                  </a:lnTo>
-                  <a:lnTo>
-                    <a:pt x="0" y="0"/>
-                  </a:lnTo>
-                  <a:close/>
-                </a:path>
-              </a:pathLst>
-            </a:custGeom>
-            <a:blipFill>
-              <a:blip r:embed="rId2"/>
-              <a:stretch>
-                <a:fillRect t="-141" r="-1" b="-141"/>
-              </a:stretch>
-            </a:blipFill>
-          </p:spPr>
-        </p:sp>
-      </p:grpSp>
-      <p:grpSp>
-        <p:nvGrpSpPr>
-          <p:cNvPr id="10" name="Group 10"/>
-          <p:cNvGrpSpPr/>
-          <p:nvPr/>
-        </p:nvGrpSpPr>
-        <p:grpSpPr>
-          <a:xfrm>
-            <a:off x="1028700" y="2062432"/>
-            <a:ext cx="16544422" cy="5233906"/>
-            <a:chOff x="0" y="0"/>
-            <a:chExt cx="22059230" cy="6978541"/>
-          </a:xfrm>
-        </p:grpSpPr>
-        <p:sp>
-          <p:nvSpPr>
-            <p:cNvPr id="11" name="Freeform 11"/>
-            <p:cNvSpPr/>
-            <p:nvPr/>
-          </p:nvSpPr>
-          <p:spPr>
-            <a:xfrm>
-              <a:off x="0" y="0"/>
-              <a:ext cx="22059230" cy="6978541"/>
-            </a:xfrm>
-            <a:custGeom>
-              <a:avLst/>
-              <a:gdLst/>
-              <a:ahLst/>
-              <a:cxnLst/>
-              <a:rect l="l" t="t" r="r" b="b"/>
-              <a:pathLst>
-                <a:path w="22059230" h="6978541">
-                  <a:moveTo>
-                    <a:pt x="0" y="0"/>
-                  </a:moveTo>
-                  <a:lnTo>
-                    <a:pt x="22059230" y="0"/>
-                  </a:lnTo>
-                  <a:lnTo>
-                    <a:pt x="22059230" y="6978541"/>
-                  </a:lnTo>
-                  <a:lnTo>
-                    <a:pt x="0" y="6978541"/>
-                  </a:lnTo>
-                  <a:close/>
-                </a:path>
-              </a:pathLst>
-            </a:custGeom>
-            <a:solidFill>
-              <a:srgbClr val="000000">
-                <a:alpha val="0"/>
-              </a:srgbClr>
-            </a:solidFill>
-          </p:spPr>
-        </p:sp>
-        <p:sp>
-          <p:nvSpPr>
-            <p:cNvPr id="12" name="TextBox 12"/>
-            <p:cNvSpPr txBox="1"/>
-            <p:nvPr/>
-          </p:nvSpPr>
-          <p:spPr>
-            <a:xfrm>
-              <a:off x="0" y="-95250"/>
-              <a:ext cx="22059230" cy="7073791"/>
-            </a:xfrm>
-            <a:prstGeom prst="rect">
-              <a:avLst/>
-            </a:prstGeom>
-          </p:spPr>
-          <p:txBody>
-            <a:bodyPr lIns="0" tIns="0" rIns="0" bIns="0" rtlCol="0" anchor="ctr"/>
-            <a:lstStyle/>
-            <a:p>
-              <a:pPr marL="647700" lvl="1" indent="-323850" algn="l">
-                <a:lnSpc>
-                  <a:spcPts val="3960"/>
-                </a:lnSpc>
-                <a:buFont typeface="Arial"/>
-                <a:buChar char="•"/>
-              </a:pPr>
-              <a:r>
-                <a:rPr lang="en-US" sz="3000">
-                  <a:solidFill>
-                    <a:srgbClr val="000000"/>
-                  </a:solidFill>
-                  <a:latin typeface="ITC Franklin Gothic LT"/>
-                  <a:ea typeface="ITC Franklin Gothic LT"/>
-                  <a:cs typeface="ITC Franklin Gothic LT"/>
-                  <a:sym typeface="ITC Franklin Gothic LT"/>
-                </a:rPr>
-                <a:t>Integrate real-time WHO API data</a:t>
-              </a:r>
-            </a:p>
-            <a:p>
-              <a:pPr marL="647700" lvl="1" indent="-323850" algn="l">
-                <a:lnSpc>
-                  <a:spcPts val="3960"/>
-                </a:lnSpc>
-                <a:buFont typeface="Arial"/>
-                <a:buChar char="•"/>
-              </a:pPr>
-              <a:r>
-                <a:rPr lang="en-US" sz="3000">
-                  <a:solidFill>
-                    <a:srgbClr val="000000"/>
-                  </a:solidFill>
-                  <a:latin typeface="ITC Franklin Gothic LT"/>
-                  <a:ea typeface="ITC Franklin Gothic LT"/>
-                  <a:cs typeface="ITC Franklin Gothic LT"/>
-                  <a:sym typeface="ITC Franklin Gothic LT"/>
-                </a:rPr>
-                <a:t>Use more advanced models like XGBoost or LSTM</a:t>
-              </a:r>
-            </a:p>
-            <a:p>
-              <a:pPr marL="647700" lvl="1" indent="-323850" algn="l">
-                <a:lnSpc>
-                  <a:spcPts val="3960"/>
-                </a:lnSpc>
-                <a:buFont typeface="Arial"/>
-                <a:buChar char="•"/>
-              </a:pPr>
-              <a:r>
-                <a:rPr lang="en-US" sz="3000">
-                  <a:solidFill>
-                    <a:srgbClr val="000000"/>
-                  </a:solidFill>
-                  <a:latin typeface="ITC Franklin Gothic LT"/>
-                  <a:ea typeface="ITC Franklin Gothic LT"/>
-                  <a:cs typeface="ITC Franklin Gothic LT"/>
-                  <a:sym typeface="ITC Franklin Gothic LT"/>
-                </a:rPr>
-                <a:t>Develop an interactive dashboard using IBM Cloud Functions</a:t>
-              </a:r>
-            </a:p>
-            <a:p>
-              <a:pPr marL="647700" lvl="1" indent="-323850" algn="l">
-                <a:lnSpc>
-                  <a:spcPts val="3960"/>
-                </a:lnSpc>
-                <a:buFont typeface="Arial"/>
-                <a:buChar char="•"/>
-              </a:pPr>
-              <a:r>
-                <a:rPr lang="en-US" sz="3000">
-                  <a:solidFill>
-                    <a:srgbClr val="000000"/>
-                  </a:solidFill>
-                  <a:latin typeface="ITC Franklin Gothic LT"/>
-                  <a:ea typeface="ITC Franklin Gothic LT"/>
-                  <a:cs typeface="ITC Franklin Gothic LT"/>
-                  <a:sym typeface="ITC Franklin Gothic LT"/>
-                </a:rPr>
-                <a:t>Collaborate with health organizations for deeper validation</a:t>
-              </a:r>
-            </a:p>
-            <a:p>
-              <a:pPr marL="647700" lvl="1" indent="-323850" algn="l">
-                <a:lnSpc>
-                  <a:spcPts val="3960"/>
-                </a:lnSpc>
-                <a:buFont typeface="Arial"/>
-                <a:buChar char="•"/>
-              </a:pPr>
-              <a:r>
-                <a:rPr lang="en-US" sz="3000">
-                  <a:solidFill>
-                    <a:srgbClr val="000000"/>
-                  </a:solidFill>
-                  <a:latin typeface="ITC Franklin Gothic LT"/>
-                  <a:ea typeface="ITC Franklin Gothic LT"/>
-                  <a:cs typeface="ITC Franklin Gothic LT"/>
-                  <a:sym typeface="ITC Franklin Gothic LT"/>
-                </a:rPr>
-                <a:t>Extend model to SDG 3.2 and other healthcare goals</a:t>
-              </a:r>
-            </a:p>
-            <a:p>
-              <a:pPr algn="l">
-                <a:lnSpc>
-                  <a:spcPts val="3960"/>
-                </a:lnSpc>
-              </a:pPr>
-              <a:endParaRPr lang="en-US" sz="3000">
-                <a:solidFill>
-                  <a:srgbClr val="000000"/>
-                </a:solidFill>
-                <a:latin typeface="ITC Franklin Gothic LT"/>
-                <a:ea typeface="ITC Franklin Gothic LT"/>
-                <a:cs typeface="ITC Franklin Gothic LT"/>
-                <a:sym typeface="ITC Franklin Gothic LT"/>
-              </a:endParaRPr>
-            </a:p>
-          </p:txBody>
-        </p:sp>
-      </p:grpSp>
-      <p:grpSp>
-        <p:nvGrpSpPr>
-          <p:cNvPr id="13" name="Group 13"/>
-          <p:cNvGrpSpPr/>
-          <p:nvPr/>
-        </p:nvGrpSpPr>
-        <p:grpSpPr>
-          <a:xfrm>
-            <a:off x="803505" y="1266988"/>
-            <a:ext cx="16544424" cy="795444"/>
-            <a:chOff x="0" y="0"/>
-            <a:chExt cx="22059232" cy="1060592"/>
-          </a:xfrm>
-        </p:grpSpPr>
-        <p:sp>
-          <p:nvSpPr>
-            <p:cNvPr id="14" name="Freeform 14"/>
-            <p:cNvSpPr/>
-            <p:nvPr/>
-          </p:nvSpPr>
-          <p:spPr>
-            <a:xfrm>
-              <a:off x="0" y="0"/>
-              <a:ext cx="22059232" cy="1060592"/>
-            </a:xfrm>
-            <a:custGeom>
-              <a:avLst/>
-              <a:gdLst/>
-              <a:ahLst/>
-              <a:cxnLst/>
-              <a:rect l="l" t="t" r="r" b="b"/>
-              <a:pathLst>
-                <a:path w="22059232" h="1060592">
-                  <a:moveTo>
-                    <a:pt x="0" y="0"/>
-                  </a:moveTo>
-                  <a:lnTo>
-                    <a:pt x="22059232" y="0"/>
-                  </a:lnTo>
-                  <a:lnTo>
-                    <a:pt x="22059232" y="1060592"/>
-                  </a:lnTo>
-                  <a:lnTo>
-                    <a:pt x="0" y="1060592"/>
-                  </a:lnTo>
-                  <a:close/>
-                </a:path>
-              </a:pathLst>
-            </a:custGeom>
-            <a:solidFill>
-              <a:srgbClr val="000000">
-                <a:alpha val="0"/>
-              </a:srgbClr>
-            </a:solidFill>
-          </p:spPr>
-        </p:sp>
-        <p:sp>
-          <p:nvSpPr>
-            <p:cNvPr id="15" name="TextBox 15"/>
-            <p:cNvSpPr txBox="1"/>
-            <p:nvPr/>
-          </p:nvSpPr>
-          <p:spPr>
-            <a:xfrm>
-              <a:off x="0" y="9525"/>
-              <a:ext cx="22059232" cy="1051067"/>
-            </a:xfrm>
-            <a:prstGeom prst="rect">
-              <a:avLst/>
-            </a:prstGeom>
-          </p:spPr>
-          <p:txBody>
-            <a:bodyPr lIns="0" tIns="0" rIns="0" bIns="0" rtlCol="0" anchor="b"/>
-            <a:lstStyle/>
-            <a:p>
-              <a:pPr algn="l">
-                <a:lnSpc>
-                  <a:spcPts val="4752"/>
-                </a:lnSpc>
-              </a:pPr>
-              <a:r>
-                <a:rPr lang="en-US" sz="4950" b="1">
-                  <a:solidFill>
-                    <a:srgbClr val="1CADE4"/>
-                  </a:solidFill>
-                  <a:latin typeface="Arial Bold"/>
-                  <a:ea typeface="Arial Bold"/>
-                  <a:cs typeface="Arial Bold"/>
-                  <a:sym typeface="Arial Bold"/>
-                </a:rPr>
-                <a:t>Future scope</a:t>
               </a:r>
             </a:p>
           </p:txBody>
